--- a/fingerprints.pptx
+++ b/fingerprints.pptx
@@ -9,12 +9,21 @@
     <p:sldId id="257" r:id="rId3"/>
     <p:sldId id="258" r:id="rId4"/>
     <p:sldId id="259" r:id="rId5"/>
-    <p:sldId id="261" r:id="rId6"/>
-    <p:sldId id="260" r:id="rId7"/>
-    <p:sldId id="263" r:id="rId8"/>
-    <p:sldId id="264" r:id="rId9"/>
-    <p:sldId id="265" r:id="rId10"/>
-    <p:sldId id="266" r:id="rId11"/>
+    <p:sldId id="267" r:id="rId6"/>
+    <p:sldId id="261" r:id="rId7"/>
+    <p:sldId id="268" r:id="rId8"/>
+    <p:sldId id="274" r:id="rId9"/>
+    <p:sldId id="276" r:id="rId10"/>
+    <p:sldId id="277" r:id="rId11"/>
+    <p:sldId id="271" r:id="rId12"/>
+    <p:sldId id="279" r:id="rId13"/>
+    <p:sldId id="275" r:id="rId14"/>
+    <p:sldId id="260" r:id="rId15"/>
+    <p:sldId id="263" r:id="rId16"/>
+    <p:sldId id="264" r:id="rId17"/>
+    <p:sldId id="265" r:id="rId18"/>
+    <p:sldId id="266" r:id="rId19"/>
+    <p:sldId id="278" r:id="rId20"/>
   </p:sldIdLst>
   <p:sldSz cx="9144000" cy="6858000" type="screen4x3"/>
   <p:notesSz cx="6858000" cy="9144000"/>
@@ -297,7 +306,7 @@
           <a:p>
             <a:fld id="{CFBE3E39-DE27-7B4B-A589-5731FC732B0F}" type="datetimeFigureOut">
               <a:rPr lang="en-US" smtClean="0"/>
-              <a:t>8/31/14</a:t>
+              <a:t>9/4/14</a:t>
             </a:fld>
             <a:endParaRPr lang="en-US"/>
           </a:p>
@@ -467,7 +476,7 @@
           <a:p>
             <a:fld id="{CFBE3E39-DE27-7B4B-A589-5731FC732B0F}" type="datetimeFigureOut">
               <a:rPr lang="en-US" smtClean="0"/>
-              <a:t>8/31/14</a:t>
+              <a:t>9/4/14</a:t>
             </a:fld>
             <a:endParaRPr lang="en-US"/>
           </a:p>
@@ -647,7 +656,7 @@
           <a:p>
             <a:fld id="{CFBE3E39-DE27-7B4B-A589-5731FC732B0F}" type="datetimeFigureOut">
               <a:rPr lang="en-US" smtClean="0"/>
-              <a:t>8/31/14</a:t>
+              <a:t>9/4/14</a:t>
             </a:fld>
             <a:endParaRPr lang="en-US"/>
           </a:p>
@@ -817,7 +826,7 @@
           <a:p>
             <a:fld id="{CFBE3E39-DE27-7B4B-A589-5731FC732B0F}" type="datetimeFigureOut">
               <a:rPr lang="en-US" smtClean="0"/>
-              <a:t>8/31/14</a:t>
+              <a:t>9/4/14</a:t>
             </a:fld>
             <a:endParaRPr lang="en-US"/>
           </a:p>
@@ -1063,7 +1072,7 @@
           <a:p>
             <a:fld id="{CFBE3E39-DE27-7B4B-A589-5731FC732B0F}" type="datetimeFigureOut">
               <a:rPr lang="en-US" smtClean="0"/>
-              <a:t>8/31/14</a:t>
+              <a:t>9/4/14</a:t>
             </a:fld>
             <a:endParaRPr lang="en-US"/>
           </a:p>
@@ -1351,7 +1360,7 @@
           <a:p>
             <a:fld id="{CFBE3E39-DE27-7B4B-A589-5731FC732B0F}" type="datetimeFigureOut">
               <a:rPr lang="en-US" smtClean="0"/>
-              <a:t>8/31/14</a:t>
+              <a:t>9/4/14</a:t>
             </a:fld>
             <a:endParaRPr lang="en-US"/>
           </a:p>
@@ -1773,7 +1782,7 @@
           <a:p>
             <a:fld id="{CFBE3E39-DE27-7B4B-A589-5731FC732B0F}" type="datetimeFigureOut">
               <a:rPr lang="en-US" smtClean="0"/>
-              <a:t>8/31/14</a:t>
+              <a:t>9/4/14</a:t>
             </a:fld>
             <a:endParaRPr lang="en-US"/>
           </a:p>
@@ -1891,7 +1900,7 @@
           <a:p>
             <a:fld id="{CFBE3E39-DE27-7B4B-A589-5731FC732B0F}" type="datetimeFigureOut">
               <a:rPr lang="en-US" smtClean="0"/>
-              <a:t>8/31/14</a:t>
+              <a:t>9/4/14</a:t>
             </a:fld>
             <a:endParaRPr lang="en-US"/>
           </a:p>
@@ -1986,7 +1995,7 @@
           <a:p>
             <a:fld id="{CFBE3E39-DE27-7B4B-A589-5731FC732B0F}" type="datetimeFigureOut">
               <a:rPr lang="en-US" smtClean="0"/>
-              <a:t>8/31/14</a:t>
+              <a:t>9/4/14</a:t>
             </a:fld>
             <a:endParaRPr lang="en-US"/>
           </a:p>
@@ -2263,7 +2272,7 @@
           <a:p>
             <a:fld id="{CFBE3E39-DE27-7B4B-A589-5731FC732B0F}" type="datetimeFigureOut">
               <a:rPr lang="en-US" smtClean="0"/>
-              <a:t>8/31/14</a:t>
+              <a:t>9/4/14</a:t>
             </a:fld>
             <a:endParaRPr lang="en-US"/>
           </a:p>
@@ -2516,7 +2525,7 @@
           <a:p>
             <a:fld id="{CFBE3E39-DE27-7B4B-A589-5731FC732B0F}" type="datetimeFigureOut">
               <a:rPr lang="en-US" smtClean="0"/>
-              <a:t>8/31/14</a:t>
+              <a:t>9/4/14</a:t>
             </a:fld>
             <a:endParaRPr lang="en-US"/>
           </a:p>
@@ -2729,7 +2738,7 @@
           <a:p>
             <a:fld id="{CFBE3E39-DE27-7B4B-A589-5731FC732B0F}" type="datetimeFigureOut">
               <a:rPr lang="en-US" smtClean="0"/>
-              <a:t>8/31/14</a:t>
+              <a:t>9/4/14</a:t>
             </a:fld>
             <a:endParaRPr lang="en-US"/>
           </a:p>
@@ -3121,11 +3130,7 @@
           <a:p>
             <a:r>
               <a:rPr lang="en-US" dirty="0" smtClean="0"/>
-              <a:t>Fingerprinting Chemica</a:t>
-            </a:r>
-            <a:r>
-              <a:rPr lang="en-US" dirty="0" smtClean="0"/>
-              <a:t>l Structures</a:t>
+              <a:t>Fingerprinting Chemical Structures</a:t>
             </a:r>
             <a:endParaRPr lang="en-US" dirty="0"/>
           </a:p>
@@ -3202,6 +3207,73 @@
           </a:prstGeom>
         </p:spPr>
       </p:pic>
+      <p:sp>
+        <p:nvSpPr>
+          <p:cNvPr id="6" name="Rectangle 5"/>
+          <p:cNvSpPr/>
+          <p:nvPr/>
+        </p:nvSpPr>
+        <p:spPr>
+          <a:xfrm>
+            <a:off x="2363290" y="4553767"/>
+            <a:ext cx="4417420" cy="369332"/>
+          </a:xfrm>
+          <a:prstGeom prst="rect">
+            <a:avLst/>
+          </a:prstGeom>
+        </p:spPr>
+        <p:txBody>
+          <a:bodyPr wrap="none">
+            <a:spAutoFit/>
+          </a:bodyPr>
+          <a:lstStyle/>
+          <a:p>
+            <a:r>
+              <a:rPr lang="en-US" dirty="0">
+                <a:hlinkClick r:id="rId4"/>
+              </a:rPr>
+              <a:t>https://</a:t>
+            </a:r>
+            <a:r>
+              <a:rPr lang="en-US" dirty="0" err="1">
+                <a:hlinkClick r:id="rId4"/>
+              </a:rPr>
+              <a:t>github.com</a:t>
+            </a:r>
+            <a:r>
+              <a:rPr lang="en-US" dirty="0">
+                <a:hlinkClick r:id="rId4"/>
+              </a:rPr>
+              <a:t>/</a:t>
+            </a:r>
+            <a:r>
+              <a:rPr lang="en-US" dirty="0" err="1">
+                <a:hlinkClick r:id="rId4"/>
+              </a:rPr>
+              <a:t>rajarshi</a:t>
+            </a:r>
+            <a:r>
+              <a:rPr lang="en-US" dirty="0">
+                <a:hlinkClick r:id="rId4"/>
+              </a:rPr>
+              <a:t>/</a:t>
+            </a:r>
+            <a:r>
+              <a:rPr lang="en-US" dirty="0" err="1">
+                <a:hlinkClick r:id="rId4"/>
+              </a:rPr>
+              <a:t>ctpa</a:t>
+            </a:r>
+            <a:r>
+              <a:rPr lang="en-US" dirty="0">
+                <a:hlinkClick r:id="rId4"/>
+              </a:rPr>
+              <a:t>-fingerprints</a:t>
+            </a:r>
+            <a:endParaRPr lang="en-US" dirty="0"/>
+          </a:p>
+        </p:txBody>
+      </p:sp>
     </p:spTree>
     <p:extLst>
       <p:ext uri="{BB962C8B-B14F-4D97-AF65-F5344CB8AC3E}">
@@ -3244,62 +3316,20 @@
         </p:nvSpPr>
         <p:spPr/>
         <p:txBody>
-          <a:bodyPr>
-            <a:normAutofit fontScale="90000"/>
-          </a:bodyPr>
-          <a:lstStyle/>
-          <a:p>
-            <a:r>
-              <a:rPr lang="en-US" dirty="0" smtClean="0"/>
-              <a:t>Explaining Poor Model Performance</a:t>
+          <a:bodyPr/>
+          <a:lstStyle/>
+          <a:p>
+            <a:r>
+              <a:rPr lang="en-US" dirty="0" smtClean="0"/>
+              <a:t>Random Fingerprints</a:t>
             </a:r>
             <a:endParaRPr lang="en-US" dirty="0"/>
-          </a:p>
-        </p:txBody>
-      </p:sp>
-      <p:sp>
-        <p:nvSpPr>
-          <p:cNvPr id="6" name="Content Placeholder 5"/>
-          <p:cNvSpPr>
-            <a:spLocks noGrp="1"/>
-          </p:cNvSpPr>
-          <p:nvPr>
-            <p:ph idx="1"/>
-          </p:nvPr>
-        </p:nvSpPr>
-        <p:spPr>
-          <a:xfrm>
-            <a:off x="239607" y="1600200"/>
-            <a:ext cx="3618065" cy="4525963"/>
-          </a:xfrm>
-        </p:spPr>
-        <p:txBody>
-          <a:bodyPr/>
-          <a:lstStyle/>
-          <a:p>
-            <a:r>
-              <a:rPr lang="en-US" dirty="0" smtClean="0"/>
-              <a:t>Training set for model</a:t>
-            </a:r>
-          </a:p>
-          <a:p>
-            <a:r>
-              <a:rPr lang="en-US" dirty="0" smtClean="0"/>
-              <a:t>Poor predictions on test set</a:t>
-            </a:r>
-          </a:p>
-          <a:p>
-            <a:r>
-              <a:rPr lang="en-US" i="1" dirty="0" smtClean="0"/>
-              <a:t>Both test set classes look like the toxic class in the training set</a:t>
-            </a:r>
-            <a:endParaRPr lang="en-US" i="1" dirty="0"/>
           </a:p>
         </p:txBody>
       </p:sp>
       <p:pic>
         <p:nvPicPr>
-          <p:cNvPr id="4" name="Picture 3"/>
+          <p:cNvPr id="5" name="Picture 4"/>
           <p:cNvPicPr>
             <a:picLocks noChangeAspect="1"/>
           </p:cNvPicPr>
@@ -3313,110 +3343,42 @@
         </p:blipFill>
         <p:spPr>
           <a:xfrm>
-            <a:off x="3950317" y="1262485"/>
-            <a:ext cx="5119843" cy="5200120"/>
+            <a:off x="122642" y="2113480"/>
+            <a:ext cx="4451670" cy="3379972"/>
           </a:xfrm>
           <a:prstGeom prst="rect">
             <a:avLst/>
           </a:prstGeom>
         </p:spPr>
       </p:pic>
-      <p:sp>
-        <p:nvSpPr>
-          <p:cNvPr id="5" name="TextBox 4"/>
-          <p:cNvSpPr txBox="1"/>
+      <p:pic>
+        <p:nvPicPr>
+          <p:cNvPr id="6" name="Picture 5"/>
+          <p:cNvPicPr>
+            <a:picLocks noChangeAspect="1"/>
+          </p:cNvPicPr>
           <p:nvPr/>
-        </p:nvSpPr>
+        </p:nvPicPr>
+        <p:blipFill>
+          <a:blip r:embed="rId3"/>
+          <a:stretch>
+            <a:fillRect/>
+          </a:stretch>
+        </p:blipFill>
         <p:spPr>
           <a:xfrm>
-            <a:off x="5240367" y="6581001"/>
-            <a:ext cx="3942105" cy="276999"/>
+            <a:off x="4556700" y="2113480"/>
+            <a:ext cx="4451670" cy="3379972"/>
           </a:xfrm>
           <a:prstGeom prst="rect">
             <a:avLst/>
           </a:prstGeom>
-          <a:noFill/>
         </p:spPr>
-        <p:txBody>
-          <a:bodyPr wrap="none" rtlCol="0">
-            <a:spAutoFit/>
-          </a:bodyPr>
-          <a:lstStyle/>
-          <a:p>
-            <a:r>
-              <a:rPr lang="en-US" sz="1200" dirty="0" smtClean="0">
-                <a:hlinkClick r:id="rId3"/>
-              </a:rPr>
-              <a:t>Guha &amp; </a:t>
-            </a:r>
-            <a:r>
-              <a:rPr lang="en-US" sz="1200" dirty="0" err="1" smtClean="0">
-                <a:hlinkClick r:id="rId3"/>
-              </a:rPr>
-              <a:t>Schurer</a:t>
-            </a:r>
-            <a:r>
-              <a:rPr lang="en-US" sz="1200" dirty="0" smtClean="0">
-                <a:hlinkClick r:id="rId3"/>
-              </a:rPr>
-              <a:t>, J. Comp. Aided. </a:t>
-            </a:r>
-            <a:r>
-              <a:rPr lang="en-US" sz="1200" dirty="0" err="1" smtClean="0">
-                <a:hlinkClick r:id="rId3"/>
-              </a:rPr>
-              <a:t>Molec</a:t>
-            </a:r>
-            <a:r>
-              <a:rPr lang="en-US" sz="1200" dirty="0" smtClean="0">
-                <a:hlinkClick r:id="rId3"/>
-              </a:rPr>
-              <a:t>. Des</a:t>
-            </a:r>
-            <a:r>
-              <a:rPr lang="en-US" sz="1200" b="1" dirty="0" smtClean="0">
-                <a:hlinkClick r:id="rId3"/>
-              </a:rPr>
-              <a:t>.</a:t>
-            </a:r>
-            <a:r>
-              <a:rPr lang="en-US" sz="1200" dirty="0" smtClean="0">
-                <a:hlinkClick r:id="rId3"/>
-              </a:rPr>
-              <a:t>, </a:t>
-            </a:r>
-            <a:r>
-              <a:rPr lang="en-US" sz="1200" b="1" dirty="0" smtClean="0">
-                <a:hlinkClick r:id="rId3"/>
-              </a:rPr>
-              <a:t>2008</a:t>
-            </a:r>
-            <a:r>
-              <a:rPr lang="en-US" sz="1200" dirty="0" smtClean="0">
-                <a:hlinkClick r:id="rId3"/>
-              </a:rPr>
-              <a:t>, </a:t>
-            </a:r>
-            <a:r>
-              <a:rPr lang="en-US" sz="1200" i="1" dirty="0" smtClean="0">
-                <a:hlinkClick r:id="rId3"/>
-              </a:rPr>
-              <a:t>22</a:t>
-            </a:r>
-            <a:r>
-              <a:rPr lang="en-US" sz="1200" dirty="0" smtClean="0">
-                <a:hlinkClick r:id="rId3"/>
-              </a:rPr>
-              <a:t>, 367</a:t>
-            </a:r>
-            <a:endParaRPr lang="en-US" sz="1200" dirty="0"/>
-          </a:p>
-        </p:txBody>
-      </p:sp>
+      </p:pic>
     </p:spTree>
     <p:extLst>
       <p:ext uri="{BB962C8B-B14F-4D97-AF65-F5344CB8AC3E}">
-        <p14:creationId xmlns:p14="http://schemas.microsoft.com/office/powerpoint/2010/main" val="1297957357"/>
+        <p14:creationId xmlns:p14="http://schemas.microsoft.com/office/powerpoint/2010/main" val="4066092206"/>
       </p:ext>
     </p:extLst>
   </p:cSld>
@@ -3426,7 +3388,7 @@
 </p:sld>
 </file>
 
-<file path=ppt/slides/slide2.xml><?xml version="1.0" encoding="utf-8"?>
+<file path=ppt/slides/slide11.xml><?xml version="1.0" encoding="utf-8"?>
 <p:sld xmlns:a="http://schemas.openxmlformats.org/drawingml/2006/main" xmlns:r="http://schemas.openxmlformats.org/officeDocument/2006/relationships" xmlns:p="http://schemas.openxmlformats.org/presentationml/2006/main">
   <p:cSld>
     <p:spTree>
@@ -3460,7 +3422,7 @@
           <a:p>
             <a:r>
               <a:rPr lang="en-US" dirty="0" smtClean="0"/>
-              <a:t>High Throughput Screening</a:t>
+              <a:t>Predicting with Fingerprints</a:t>
             </a:r>
             <a:endParaRPr lang="en-US" dirty="0"/>
           </a:p>
@@ -3479,79 +3441,216 @@
         <p:spPr>
           <a:xfrm>
             <a:off x="457200" y="1600200"/>
-            <a:ext cx="8229600" cy="4857912"/>
+            <a:ext cx="8229600" cy="5045125"/>
           </a:xfrm>
         </p:spPr>
         <p:txBody>
           <a:bodyPr>
-            <a:normAutofit/>
+            <a:normAutofit lnSpcReduction="10000"/>
           </a:bodyPr>
           <a:lstStyle/>
           <a:p>
             <a:r>
               <a:rPr lang="en-US" dirty="0" smtClean="0"/>
-              <a:t>Test thousands to hundreds of thousands of compounds in one or more assays</a:t>
+              <a:t>Read in fingerprints &amp; convert to matrix form</a:t>
+            </a:r>
+          </a:p>
+          <a:p>
+            <a:r>
+              <a:rPr lang="en-US" dirty="0" smtClean="0"/>
+              <a:t>See </a:t>
             </a:r>
           </a:p>
           <a:p>
             <a:pPr lvl="1"/>
             <a:r>
-              <a:rPr lang="en-US" dirty="0"/>
-              <a:t>Biochemical, genetic, </a:t>
+              <a:rPr lang="en-US" sz="2000" dirty="0" smtClean="0">
+                <a:latin typeface="Courier"/>
+              </a:rPr>
+              <a:t>data/</a:t>
+            </a:r>
+            <a:r>
+              <a:rPr lang="en-US" sz="2000" dirty="0" err="1" smtClean="0">
+                <a:latin typeface="Courier"/>
+              </a:rPr>
+              <a:t>solubility.csv</a:t>
+            </a:r>
+            <a:endParaRPr lang="en-US" dirty="0"/>
+          </a:p>
+          <a:p>
+            <a:pPr lvl="1"/>
+            <a:r>
+              <a:rPr lang="en-US" sz="2000" dirty="0" smtClean="0">
+                <a:latin typeface="Courier"/>
+              </a:rPr>
+              <a:t>data</a:t>
+            </a:r>
+            <a:r>
+              <a:rPr lang="en-US" sz="2000" dirty="0">
+                <a:latin typeface="Courier"/>
+              </a:rPr>
+              <a:t>/</a:t>
+            </a:r>
+            <a:r>
+              <a:rPr lang="en-US" sz="2000" dirty="0" err="1" smtClean="0">
+                <a:latin typeface="Courier"/>
+              </a:rPr>
+              <a:t>solubility.maccs</a:t>
+            </a:r>
+            <a:endParaRPr lang="en-US" sz="2000" dirty="0" smtClean="0">
+              <a:latin typeface="Courier"/>
+            </a:endParaRPr>
+          </a:p>
+          <a:p>
+            <a:r>
+              <a:rPr lang="en-US" dirty="0" smtClean="0"/>
+              <a:t>33,182 observations </a:t>
             </a:r>
             <a:br>
-              <a:rPr lang="en-US" dirty="0"/>
+              <a:rPr lang="en-US" dirty="0" smtClean="0"/>
             </a:br>
             <a:r>
               <a:rPr lang="en-US" dirty="0" smtClean="0"/>
-              <a:t>pharmacological assays</a:t>
-            </a:r>
-          </a:p>
-          <a:p>
-            <a:r>
-              <a:rPr lang="en-US" dirty="0" smtClean="0"/>
-              <a:t>Employs a robotic platform</a:t>
-            </a:r>
-          </a:p>
-          <a:p>
-            <a:r>
-              <a:rPr lang="en-US" dirty="0" smtClean="0"/>
-              <a:t>Rapidly </a:t>
-            </a:r>
-            <a:r>
-              <a:rPr lang="en-US" dirty="0"/>
-              <a:t>identify novel </a:t>
-            </a:r>
-            <a:r>
-              <a:rPr lang="en-US" dirty="0" smtClean="0"/>
-              <a:t/>
+              <a:t>of solubility </a:t>
+            </a:r>
+          </a:p>
+          <a:p>
+            <a:r>
+              <a:rPr lang="en-US" dirty="0" smtClean="0"/>
+              <a:t>57,857 fingerprints</a:t>
+            </a:r>
+          </a:p>
+          <a:p>
+            <a:r>
+              <a:rPr lang="en-US" dirty="0" smtClean="0"/>
+              <a:t>Requires some data</a:t>
             </a:r>
             <a:br>
               <a:rPr lang="en-US" dirty="0" smtClean="0"/>
             </a:br>
             <a:r>
               <a:rPr lang="en-US" dirty="0" smtClean="0"/>
-              <a:t>modulators </a:t>
-            </a:r>
-            <a:r>
-              <a:rPr lang="en-US" dirty="0"/>
-              <a:t>of biological systems</a:t>
-            </a:r>
-          </a:p>
-          <a:p>
-            <a:endParaRPr lang="en-US" dirty="0" smtClean="0"/>
-          </a:p>
-          <a:p>
-            <a:pPr marL="457200" lvl="1" indent="0">
-              <a:buNone/>
-            </a:pPr>
-            <a:endParaRPr lang="en-US" dirty="0"/>
+              <a:t>wrangling before</a:t>
+            </a:r>
+            <a:br>
+              <a:rPr lang="en-US" dirty="0" smtClean="0"/>
+            </a:br>
+            <a:r>
+              <a:rPr lang="en-US" dirty="0" smtClean="0"/>
+              <a:t>modeling</a:t>
+            </a:r>
+          </a:p>
+        </p:txBody>
+      </p:sp>
+      <p:sp>
+        <p:nvSpPr>
+          <p:cNvPr id="4" name="Rectangle 3"/>
+          <p:cNvSpPr/>
+          <p:nvPr/>
+        </p:nvSpPr>
+        <p:spPr>
+          <a:xfrm>
+            <a:off x="4426354" y="5204721"/>
+            <a:ext cx="4635962" cy="1569660"/>
+          </a:xfrm>
+          <a:prstGeom prst="rect">
+            <a:avLst/>
+          </a:prstGeom>
+          <a:solidFill>
+            <a:schemeClr val="tx1"/>
+          </a:solidFill>
+        </p:spPr>
+        <p:txBody>
+          <a:bodyPr wrap="square">
+            <a:spAutoFit/>
+          </a:bodyPr>
+          <a:lstStyle/>
+          <a:p>
+            <a:r>
+              <a:rPr lang="en-US" sz="1600" dirty="0">
+                <a:solidFill>
+                  <a:schemeClr val="bg1"/>
+                </a:solidFill>
+                <a:latin typeface="Courier New"/>
+              </a:rPr>
+              <a:t> OOB estimate of  error rate: 22.37%</a:t>
+            </a:r>
+          </a:p>
+          <a:p>
+            <a:r>
+              <a:rPr lang="en-US" sz="1600" dirty="0">
+                <a:solidFill>
+                  <a:schemeClr val="bg1"/>
+                </a:solidFill>
+                <a:latin typeface="Courier New"/>
+              </a:rPr>
+              <a:t>Confusion matrix:</a:t>
+            </a:r>
+          </a:p>
+          <a:p>
+            <a:r>
+              <a:rPr lang="en-US" sz="1600" dirty="0">
+                <a:solidFill>
+                  <a:schemeClr val="bg1"/>
+                </a:solidFill>
+                <a:latin typeface="Courier New"/>
+              </a:rPr>
+              <a:t>       high  low medium </a:t>
+            </a:r>
+            <a:r>
+              <a:rPr lang="en-US" sz="1600" dirty="0" err="1">
+                <a:solidFill>
+                  <a:schemeClr val="bg1"/>
+                </a:solidFill>
+                <a:latin typeface="Courier New"/>
+              </a:rPr>
+              <a:t>class.error</a:t>
+            </a:r>
+            <a:endParaRPr lang="en-US" sz="1600" dirty="0">
+              <a:solidFill>
+                <a:schemeClr val="bg1"/>
+              </a:solidFill>
+              <a:latin typeface="Courier New"/>
+            </a:endParaRPr>
+          </a:p>
+          <a:p>
+            <a:r>
+              <a:rPr lang="en-US" sz="1600" dirty="0">
+                <a:solidFill>
+                  <a:schemeClr val="bg1"/>
+                </a:solidFill>
+                <a:latin typeface="Courier New"/>
+              </a:rPr>
+              <a:t>high    181   52    621  0.78805621</a:t>
+            </a:r>
+          </a:p>
+          <a:p>
+            <a:r>
+              <a:rPr lang="en-US" sz="1600" dirty="0">
+                <a:solidFill>
+                  <a:schemeClr val="bg1"/>
+                </a:solidFill>
+                <a:latin typeface="Courier New"/>
+              </a:rPr>
+              <a:t>low      35 5611   4598  0.45226474</a:t>
+            </a:r>
+          </a:p>
+          <a:p>
+            <a:r>
+              <a:rPr lang="en-US" sz="1600" dirty="0">
+                <a:solidFill>
+                  <a:schemeClr val="bg1"/>
+                </a:solidFill>
+                <a:latin typeface="Courier New"/>
+              </a:rPr>
+              <a:t>medium   89 2029  19965  0.09591088</a:t>
+            </a:r>
           </a:p>
         </p:txBody>
       </p:sp>
       <p:pic>
         <p:nvPicPr>
-          <p:cNvPr id="4" name="Picture 3"/>
+          <p:cNvPr id="6" name="Picture 5"/>
           <p:cNvPicPr>
             <a:picLocks noChangeAspect="1"/>
           </p:cNvPicPr>
@@ -3565,8 +3664,8 @@
         </p:blipFill>
         <p:spPr>
           <a:xfrm>
-            <a:off x="6465531" y="2963235"/>
-            <a:ext cx="2501900" cy="3759200"/>
+            <a:off x="4565650" y="2095499"/>
+            <a:ext cx="4398028" cy="3033623"/>
           </a:xfrm>
           <a:prstGeom prst="rect">
             <a:avLst/>
@@ -3576,7 +3675,7 @@
     </p:spTree>
     <p:extLst>
       <p:ext uri="{BB962C8B-B14F-4D97-AF65-F5344CB8AC3E}">
-        <p14:creationId xmlns:p14="http://schemas.microsoft.com/office/powerpoint/2010/main" val="711535227"/>
+        <p14:creationId xmlns:p14="http://schemas.microsoft.com/office/powerpoint/2010/main" val="1290893157"/>
       </p:ext>
     </p:extLst>
   </p:cSld>
@@ -3586,7 +3685,7 @@
 </p:sld>
 </file>
 
-<file path=ppt/slides/slide3.xml><?xml version="1.0" encoding="utf-8"?>
+<file path=ppt/slides/slide12.xml><?xml version="1.0" encoding="utf-8"?>
 <p:sld xmlns:a="http://schemas.openxmlformats.org/drawingml/2006/main" xmlns:r="http://schemas.openxmlformats.org/officeDocument/2006/relationships" xmlns:p="http://schemas.openxmlformats.org/presentationml/2006/main">
   <p:cSld>
     <p:spTree>
@@ -3620,7 +3719,7 @@
           <a:p>
             <a:r>
               <a:rPr lang="en-US" dirty="0" smtClean="0"/>
-              <a:t>Goal of HTS</a:t>
+              <a:t>Predicting with Fingerprints</a:t>
             </a:r>
             <a:endParaRPr lang="en-US" dirty="0"/>
           </a:p>
@@ -3628,94 +3727,689 @@
       </p:sp>
       <p:sp>
         <p:nvSpPr>
-          <p:cNvPr id="3" name="Content Placeholder 2"/>
-          <p:cNvSpPr>
-            <a:spLocks noGrp="1"/>
-          </p:cNvSpPr>
-          <p:nvPr>
-            <p:ph idx="1"/>
-          </p:nvPr>
+          <p:cNvPr id="4" name="Rectangle 3"/>
+          <p:cNvSpPr/>
+          <p:nvPr/>
         </p:nvSpPr>
         <p:spPr>
           <a:xfrm>
-            <a:off x="299509" y="1600200"/>
-            <a:ext cx="6253691" cy="4989710"/>
-          </a:xfrm>
-        </p:spPr>
-        <p:txBody>
-          <a:bodyPr>
-            <a:normAutofit/>
-          </a:bodyPr>
-          <a:lstStyle/>
-          <a:p>
-            <a:r>
-              <a:rPr lang="en-US" dirty="0" smtClean="0"/>
-              <a:t>Rapidly screen large compound collections</a:t>
-            </a:r>
-          </a:p>
-          <a:p>
-            <a:r>
-              <a:rPr lang="en-US" dirty="0"/>
-              <a:t>E</a:t>
-            </a:r>
-            <a:r>
-              <a:rPr lang="en-US" dirty="0" smtClean="0"/>
-              <a:t>fficiently identify real actives </a:t>
-            </a:r>
-          </a:p>
-          <a:p>
-            <a:pPr lvl="1"/>
-            <a:r>
-              <a:rPr lang="en-US" dirty="0"/>
-              <a:t>T</a:t>
-            </a:r>
-            <a:r>
-              <a:rPr lang="en-US" dirty="0" smtClean="0"/>
-              <a:t>est them in slower, accurate, expensive screens</a:t>
-            </a:r>
-          </a:p>
-          <a:p>
-            <a:r>
-              <a:rPr lang="en-US" dirty="0" smtClean="0"/>
-              <a:t>Use the data to learn what types of compounds tend to be active</a:t>
-            </a:r>
-          </a:p>
-          <a:p>
-            <a:r>
-              <a:rPr lang="en-US" dirty="0" smtClean="0"/>
-              <a:t>Use the model to suggest more compounds to screen</a:t>
-            </a:r>
-          </a:p>
-        </p:txBody>
-      </p:sp>
-      <p:pic>
-        <p:nvPicPr>
-          <p:cNvPr id="4" name="Picture 3" descr="filter.pdf"/>
-          <p:cNvPicPr>
-            <a:picLocks noChangeAspect="1"/>
-          </p:cNvPicPr>
-          <p:nvPr/>
-        </p:nvPicPr>
-        <p:blipFill>
-          <a:blip r:embed="rId2"/>
-          <a:stretch>
-            <a:fillRect/>
-          </a:stretch>
-        </p:blipFill>
-        <p:spPr>
-          <a:xfrm>
-            <a:off x="6553200" y="1981200"/>
-            <a:ext cx="2438400" cy="3929575"/>
+            <a:off x="457201" y="1417638"/>
+            <a:ext cx="8420170" cy="4770537"/>
           </a:xfrm>
           <a:prstGeom prst="rect">
             <a:avLst/>
           </a:prstGeom>
+          <a:solidFill>
+            <a:schemeClr val="tx1"/>
+          </a:solidFill>
         </p:spPr>
-      </p:pic>
+        <p:txBody>
+          <a:bodyPr wrap="square">
+            <a:spAutoFit/>
+          </a:bodyPr>
+          <a:lstStyle/>
+          <a:p>
+            <a:r>
+              <a:rPr lang="en-US" sz="1600" dirty="0">
+                <a:solidFill>
+                  <a:schemeClr val="bg1"/>
+                </a:solidFill>
+                <a:latin typeface="Courier New"/>
+              </a:rPr>
+              <a:t>sol &lt;- </a:t>
+            </a:r>
+            <a:r>
+              <a:rPr lang="en-US" sz="1600" dirty="0" err="1">
+                <a:solidFill>
+                  <a:schemeClr val="bg1"/>
+                </a:solidFill>
+                <a:latin typeface="Courier New"/>
+              </a:rPr>
+              <a:t>read.csv</a:t>
+            </a:r>
+            <a:r>
+              <a:rPr lang="en-US" sz="1600" dirty="0">
+                <a:solidFill>
+                  <a:schemeClr val="bg1"/>
+                </a:solidFill>
+                <a:latin typeface="Courier New"/>
+              </a:rPr>
+              <a:t>('data/</a:t>
+            </a:r>
+            <a:r>
+              <a:rPr lang="en-US" sz="1600" dirty="0" err="1">
+                <a:solidFill>
+                  <a:schemeClr val="bg1"/>
+                </a:solidFill>
+                <a:latin typeface="Courier New"/>
+              </a:rPr>
+              <a:t>solubility.csv</a:t>
+            </a:r>
+            <a:r>
+              <a:rPr lang="en-US" sz="1600" dirty="0">
+                <a:solidFill>
+                  <a:schemeClr val="bg1"/>
+                </a:solidFill>
+                <a:latin typeface="Courier New"/>
+              </a:rPr>
+              <a:t>', header=TRUE)</a:t>
+            </a:r>
+          </a:p>
+          <a:p>
+            <a:r>
+              <a:rPr lang="en-US" sz="1600" dirty="0">
+                <a:solidFill>
+                  <a:schemeClr val="bg1"/>
+                </a:solidFill>
+                <a:latin typeface="Courier New"/>
+              </a:rPr>
+              <a:t>fps &lt;- </a:t>
+            </a:r>
+            <a:r>
+              <a:rPr lang="en-US" sz="1600" dirty="0" err="1">
+                <a:solidFill>
+                  <a:schemeClr val="bg1"/>
+                </a:solidFill>
+                <a:latin typeface="Courier New"/>
+              </a:rPr>
+              <a:t>fp.read</a:t>
+            </a:r>
+            <a:r>
+              <a:rPr lang="en-US" sz="1600" dirty="0">
+                <a:solidFill>
+                  <a:schemeClr val="bg1"/>
+                </a:solidFill>
+                <a:latin typeface="Courier New"/>
+              </a:rPr>
+              <a:t>('data/</a:t>
+            </a:r>
+            <a:r>
+              <a:rPr lang="en-US" sz="1600" dirty="0" err="1">
+                <a:solidFill>
+                  <a:schemeClr val="bg1"/>
+                </a:solidFill>
+                <a:latin typeface="Courier New"/>
+              </a:rPr>
+              <a:t>solubility.maccs</a:t>
+            </a:r>
+            <a:r>
+              <a:rPr lang="en-US" sz="1600" dirty="0">
+                <a:solidFill>
+                  <a:schemeClr val="bg1"/>
+                </a:solidFill>
+                <a:latin typeface="Courier New"/>
+              </a:rPr>
+              <a:t>', header=FALSE, size=166, </a:t>
+            </a:r>
+            <a:endParaRPr lang="en-US" sz="1600" dirty="0" smtClean="0">
+              <a:solidFill>
+                <a:schemeClr val="bg1"/>
+              </a:solidFill>
+              <a:latin typeface="Courier New"/>
+            </a:endParaRPr>
+          </a:p>
+          <a:p>
+            <a:r>
+              <a:rPr lang="en-US" sz="1600" dirty="0">
+                <a:solidFill>
+                  <a:schemeClr val="bg1"/>
+                </a:solidFill>
+                <a:latin typeface="Courier New"/>
+              </a:rPr>
+              <a:t> </a:t>
+            </a:r>
+            <a:r>
+              <a:rPr lang="en-US" sz="1600" dirty="0" smtClean="0">
+                <a:solidFill>
+                  <a:schemeClr val="bg1"/>
+                </a:solidFill>
+                <a:latin typeface="Courier New"/>
+              </a:rPr>
+              <a:t>           lf</a:t>
+            </a:r>
+            <a:r>
+              <a:rPr lang="en-US" sz="1600" dirty="0">
+                <a:solidFill>
+                  <a:schemeClr val="bg1"/>
+                </a:solidFill>
+                <a:latin typeface="Courier New"/>
+              </a:rPr>
+              <a:t>=function(line) {</a:t>
+            </a:r>
+          </a:p>
+          <a:p>
+            <a:r>
+              <a:rPr lang="en-US" sz="1600" dirty="0" smtClean="0">
+                <a:solidFill>
+                  <a:schemeClr val="bg1"/>
+                </a:solidFill>
+                <a:latin typeface="Courier New"/>
+              </a:rPr>
+              <a:t>              </a:t>
+            </a:r>
+            <a:r>
+              <a:rPr lang="en-US" sz="1600" dirty="0" err="1">
+                <a:solidFill>
+                  <a:schemeClr val="bg1"/>
+                </a:solidFill>
+                <a:latin typeface="Courier New"/>
+              </a:rPr>
+              <a:t>toks</a:t>
+            </a:r>
+            <a:r>
+              <a:rPr lang="en-US" sz="1600" dirty="0">
+                <a:solidFill>
+                  <a:schemeClr val="bg1"/>
+                </a:solidFill>
+                <a:latin typeface="Courier New"/>
+              </a:rPr>
+              <a:t> &lt;- </a:t>
+            </a:r>
+            <a:r>
+              <a:rPr lang="en-US" sz="1600" dirty="0" err="1">
+                <a:solidFill>
+                  <a:schemeClr val="bg1"/>
+                </a:solidFill>
+                <a:latin typeface="Courier New"/>
+              </a:rPr>
+              <a:t>strsplit</a:t>
+            </a:r>
+            <a:r>
+              <a:rPr lang="en-US" sz="1600" dirty="0">
+                <a:solidFill>
+                  <a:schemeClr val="bg1"/>
+                </a:solidFill>
+                <a:latin typeface="Courier New"/>
+              </a:rPr>
+              <a:t>(line, " ")[[1]]</a:t>
+            </a:r>
+          </a:p>
+          <a:p>
+            <a:r>
+              <a:rPr lang="en-US" sz="1600" dirty="0" smtClean="0">
+                <a:solidFill>
+                  <a:schemeClr val="bg1"/>
+                </a:solidFill>
+                <a:latin typeface="Courier New"/>
+              </a:rPr>
+              <a:t>              </a:t>
+            </a:r>
+            <a:r>
+              <a:rPr lang="en-US" sz="1600" dirty="0">
+                <a:solidFill>
+                  <a:schemeClr val="bg1"/>
+                </a:solidFill>
+                <a:latin typeface="Courier New"/>
+              </a:rPr>
+              <a:t>title &lt;- </a:t>
+            </a:r>
+            <a:r>
+              <a:rPr lang="en-US" sz="1600" dirty="0" err="1">
+                <a:solidFill>
+                  <a:schemeClr val="bg1"/>
+                </a:solidFill>
+                <a:latin typeface="Courier New"/>
+              </a:rPr>
+              <a:t>toks</a:t>
+            </a:r>
+            <a:r>
+              <a:rPr lang="en-US" sz="1600" dirty="0">
+                <a:solidFill>
+                  <a:schemeClr val="bg1"/>
+                </a:solidFill>
+                <a:latin typeface="Courier New"/>
+              </a:rPr>
+              <a:t>[1]</a:t>
+            </a:r>
+          </a:p>
+          <a:p>
+            <a:r>
+              <a:rPr lang="en-US" sz="1600" dirty="0" smtClean="0">
+                <a:solidFill>
+                  <a:schemeClr val="bg1"/>
+                </a:solidFill>
+                <a:latin typeface="Courier New"/>
+              </a:rPr>
+              <a:t>              </a:t>
+            </a:r>
+            <a:r>
+              <a:rPr lang="en-US" sz="1600" dirty="0">
+                <a:solidFill>
+                  <a:schemeClr val="bg1"/>
+                </a:solidFill>
+                <a:latin typeface="Courier New"/>
+              </a:rPr>
+              <a:t>bits &lt;- </a:t>
+            </a:r>
+            <a:r>
+              <a:rPr lang="en-US" sz="1600" dirty="0" err="1">
+                <a:solidFill>
+                  <a:schemeClr val="bg1"/>
+                </a:solidFill>
+                <a:latin typeface="Courier New"/>
+              </a:rPr>
+              <a:t>as.numeric</a:t>
+            </a:r>
+            <a:r>
+              <a:rPr lang="en-US" sz="1600" dirty="0">
+                <a:solidFill>
+                  <a:schemeClr val="bg1"/>
+                </a:solidFill>
+                <a:latin typeface="Courier New"/>
+              </a:rPr>
+              <a:t>(</a:t>
+            </a:r>
+            <a:r>
+              <a:rPr lang="en-US" sz="1600" dirty="0" err="1">
+                <a:solidFill>
+                  <a:schemeClr val="bg1"/>
+                </a:solidFill>
+                <a:latin typeface="Courier New"/>
+              </a:rPr>
+              <a:t>toks</a:t>
+            </a:r>
+            <a:r>
+              <a:rPr lang="en-US" sz="1600" dirty="0">
+                <a:solidFill>
+                  <a:schemeClr val="bg1"/>
+                </a:solidFill>
+                <a:latin typeface="Courier New"/>
+              </a:rPr>
+              <a:t>[2:length(</a:t>
+            </a:r>
+            <a:r>
+              <a:rPr lang="en-US" sz="1600" dirty="0" err="1">
+                <a:solidFill>
+                  <a:schemeClr val="bg1"/>
+                </a:solidFill>
+                <a:latin typeface="Courier New"/>
+              </a:rPr>
+              <a:t>toks</a:t>
+            </a:r>
+            <a:r>
+              <a:rPr lang="en-US" sz="1600" dirty="0">
+                <a:solidFill>
+                  <a:schemeClr val="bg1"/>
+                </a:solidFill>
+                <a:latin typeface="Courier New"/>
+              </a:rPr>
+              <a:t>)])</a:t>
+            </a:r>
+          </a:p>
+          <a:p>
+            <a:r>
+              <a:rPr lang="en-US" sz="1600" dirty="0" smtClean="0">
+                <a:solidFill>
+                  <a:schemeClr val="bg1"/>
+                </a:solidFill>
+                <a:latin typeface="Courier New"/>
+              </a:rPr>
+              <a:t>              </a:t>
+            </a:r>
+            <a:r>
+              <a:rPr lang="en-US" sz="1600" dirty="0">
+                <a:solidFill>
+                  <a:schemeClr val="bg1"/>
+                </a:solidFill>
+                <a:latin typeface="Courier New"/>
+              </a:rPr>
+              <a:t>list(title, bits, list())</a:t>
+            </a:r>
+          </a:p>
+          <a:p>
+            <a:r>
+              <a:rPr lang="en-US" sz="1600" dirty="0">
+                <a:solidFill>
+                  <a:schemeClr val="bg1"/>
+                </a:solidFill>
+                <a:latin typeface="Courier New"/>
+              </a:rPr>
+              <a:t>})</a:t>
+            </a:r>
+          </a:p>
+          <a:p>
+            <a:r>
+              <a:rPr lang="en-US" sz="1600" dirty="0">
+                <a:solidFill>
+                  <a:srgbClr val="FF0000"/>
+                </a:solidFill>
+                <a:latin typeface="Courier New"/>
+              </a:rPr>
+              <a:t>## Extract fingerprint for which we have a label</a:t>
+            </a:r>
+          </a:p>
+          <a:p>
+            <a:r>
+              <a:rPr lang="en-US" sz="1600" dirty="0">
+                <a:solidFill>
+                  <a:schemeClr val="bg1"/>
+                </a:solidFill>
+                <a:latin typeface="Courier New"/>
+              </a:rPr>
+              <a:t>common &lt;- which( </a:t>
+            </a:r>
+            <a:r>
+              <a:rPr lang="en-US" sz="1600" dirty="0" err="1">
+                <a:solidFill>
+                  <a:schemeClr val="bg1"/>
+                </a:solidFill>
+                <a:latin typeface="Courier New"/>
+              </a:rPr>
+              <a:t>sapply</a:t>
+            </a:r>
+            <a:r>
+              <a:rPr lang="en-US" sz="1600" dirty="0">
+                <a:solidFill>
+                  <a:schemeClr val="bg1"/>
+                </a:solidFill>
+                <a:latin typeface="Courier New"/>
+              </a:rPr>
+              <a:t>(fps, function(x) </a:t>
+            </a:r>
+            <a:r>
+              <a:rPr lang="en-US" sz="1600" dirty="0" err="1">
+                <a:solidFill>
+                  <a:schemeClr val="bg1"/>
+                </a:solidFill>
+                <a:latin typeface="Courier New"/>
+              </a:rPr>
+              <a:t>x@name</a:t>
+            </a:r>
+            <a:r>
+              <a:rPr lang="en-US" sz="1600" dirty="0">
+                <a:solidFill>
+                  <a:schemeClr val="bg1"/>
+                </a:solidFill>
+                <a:latin typeface="Courier New"/>
+              </a:rPr>
+              <a:t>) %in% </a:t>
+            </a:r>
+            <a:r>
+              <a:rPr lang="en-US" sz="1600" dirty="0" err="1">
+                <a:solidFill>
+                  <a:schemeClr val="bg1"/>
+                </a:solidFill>
+                <a:latin typeface="Courier New"/>
+              </a:rPr>
+              <a:t>sol$sid</a:t>
+            </a:r>
+            <a:r>
+              <a:rPr lang="en-US" sz="1600" dirty="0">
+                <a:solidFill>
+                  <a:schemeClr val="bg1"/>
+                </a:solidFill>
+                <a:latin typeface="Courier New"/>
+              </a:rPr>
+              <a:t> )</a:t>
+            </a:r>
+          </a:p>
+          <a:p>
+            <a:r>
+              <a:rPr lang="en-US" sz="1600" dirty="0">
+                <a:solidFill>
+                  <a:schemeClr val="bg1"/>
+                </a:solidFill>
+                <a:latin typeface="Courier New"/>
+              </a:rPr>
+              <a:t>fps &lt;- fps[common]</a:t>
+            </a:r>
+          </a:p>
+          <a:p>
+            <a:r>
+              <a:rPr lang="en-US" sz="1600" dirty="0">
+                <a:solidFill>
+                  <a:srgbClr val="FF0000"/>
+                </a:solidFill>
+                <a:latin typeface="Courier New"/>
+              </a:rPr>
+              <a:t>## Order the fingerprints &amp; data</a:t>
+            </a:r>
+          </a:p>
+          <a:p>
+            <a:r>
+              <a:rPr lang="en-US" sz="1600" dirty="0">
+                <a:solidFill>
+                  <a:schemeClr val="bg1"/>
+                </a:solidFill>
+                <a:latin typeface="Courier New"/>
+              </a:rPr>
+              <a:t>sol &lt;- sol[order(</a:t>
+            </a:r>
+            <a:r>
+              <a:rPr lang="en-US" sz="1600" dirty="0" err="1">
+                <a:solidFill>
+                  <a:schemeClr val="bg1"/>
+                </a:solidFill>
+                <a:latin typeface="Courier New"/>
+              </a:rPr>
+              <a:t>sol$sid</a:t>
+            </a:r>
+            <a:r>
+              <a:rPr lang="en-US" sz="1600" dirty="0">
+                <a:solidFill>
+                  <a:schemeClr val="bg1"/>
+                </a:solidFill>
+                <a:latin typeface="Courier New"/>
+              </a:rPr>
+              <a:t>),]</a:t>
+            </a:r>
+          </a:p>
+          <a:p>
+            <a:r>
+              <a:rPr lang="en-US" sz="1600" dirty="0">
+                <a:solidFill>
+                  <a:schemeClr val="bg1"/>
+                </a:solidFill>
+                <a:latin typeface="Courier New"/>
+              </a:rPr>
+              <a:t>fps &lt;- fps[order(</a:t>
+            </a:r>
+            <a:r>
+              <a:rPr lang="en-US" sz="1600" dirty="0" err="1">
+                <a:solidFill>
+                  <a:schemeClr val="bg1"/>
+                </a:solidFill>
+                <a:latin typeface="Courier New"/>
+              </a:rPr>
+              <a:t>sapply</a:t>
+            </a:r>
+            <a:r>
+              <a:rPr lang="en-US" sz="1600" dirty="0">
+                <a:solidFill>
+                  <a:schemeClr val="bg1"/>
+                </a:solidFill>
+                <a:latin typeface="Courier New"/>
+              </a:rPr>
+              <a:t>(fps, function(x) </a:t>
+            </a:r>
+            <a:r>
+              <a:rPr lang="en-US" sz="1600" dirty="0" err="1">
+                <a:solidFill>
+                  <a:schemeClr val="bg1"/>
+                </a:solidFill>
+                <a:latin typeface="Courier New"/>
+              </a:rPr>
+              <a:t>as.integer</a:t>
+            </a:r>
+            <a:r>
+              <a:rPr lang="en-US" sz="1600" dirty="0">
+                <a:solidFill>
+                  <a:schemeClr val="bg1"/>
+                </a:solidFill>
+                <a:latin typeface="Courier New"/>
+              </a:rPr>
+              <a:t>(</a:t>
+            </a:r>
+            <a:r>
+              <a:rPr lang="en-US" sz="1600" dirty="0" err="1">
+                <a:solidFill>
+                  <a:schemeClr val="bg1"/>
+                </a:solidFill>
+                <a:latin typeface="Courier New"/>
+              </a:rPr>
+              <a:t>x@name</a:t>
+            </a:r>
+            <a:r>
+              <a:rPr lang="en-US" sz="1600" dirty="0">
+                <a:solidFill>
+                  <a:schemeClr val="bg1"/>
+                </a:solidFill>
+                <a:latin typeface="Courier New"/>
+              </a:rPr>
+              <a:t>)))]</a:t>
+            </a:r>
+          </a:p>
+          <a:p>
+            <a:r>
+              <a:rPr lang="en-US" sz="1600" dirty="0">
+                <a:solidFill>
+                  <a:srgbClr val="FF0000"/>
+                </a:solidFill>
+                <a:latin typeface="Courier New"/>
+              </a:rPr>
+              <a:t>## Make X matrix</a:t>
+            </a:r>
+          </a:p>
+          <a:p>
+            <a:r>
+              <a:rPr lang="en-US" sz="1600" dirty="0">
+                <a:solidFill>
+                  <a:schemeClr val="bg1"/>
+                </a:solidFill>
+                <a:latin typeface="Courier New"/>
+              </a:rPr>
+              <a:t>fpm &lt;- </a:t>
+            </a:r>
+            <a:r>
+              <a:rPr lang="en-US" sz="1600" dirty="0" err="1">
+                <a:solidFill>
+                  <a:schemeClr val="bg1"/>
+                </a:solidFill>
+                <a:latin typeface="Courier New"/>
+              </a:rPr>
+              <a:t>fp.to.matrix</a:t>
+            </a:r>
+            <a:r>
+              <a:rPr lang="en-US" sz="1600" dirty="0">
+                <a:solidFill>
+                  <a:schemeClr val="bg1"/>
+                </a:solidFill>
+                <a:latin typeface="Courier New"/>
+              </a:rPr>
+              <a:t>(fps)</a:t>
+            </a:r>
+          </a:p>
+          <a:p>
+            <a:r>
+              <a:rPr lang="en-US" sz="1600" dirty="0">
+                <a:solidFill>
+                  <a:srgbClr val="FF0000"/>
+                </a:solidFill>
+                <a:latin typeface="Courier New"/>
+              </a:rPr>
+              <a:t>## Model!</a:t>
+            </a:r>
+          </a:p>
+          <a:p>
+            <a:r>
+              <a:rPr lang="en-US" sz="1600" dirty="0">
+                <a:solidFill>
+                  <a:schemeClr val="bg1"/>
+                </a:solidFill>
+                <a:latin typeface="Courier New"/>
+              </a:rPr>
+              <a:t>library(</a:t>
+            </a:r>
+            <a:r>
+              <a:rPr lang="en-US" sz="1600" dirty="0" err="1">
+                <a:solidFill>
+                  <a:schemeClr val="bg1"/>
+                </a:solidFill>
+                <a:latin typeface="Courier New"/>
+              </a:rPr>
+              <a:t>randomForest</a:t>
+            </a:r>
+            <a:r>
+              <a:rPr lang="en-US" sz="1600" dirty="0">
+                <a:solidFill>
+                  <a:schemeClr val="bg1"/>
+                </a:solidFill>
+                <a:latin typeface="Courier New"/>
+              </a:rPr>
+              <a:t>)</a:t>
+            </a:r>
+          </a:p>
+          <a:p>
+            <a:r>
+              <a:rPr lang="en-US" sz="1600" dirty="0">
+                <a:solidFill>
+                  <a:schemeClr val="bg1"/>
+                </a:solidFill>
+                <a:latin typeface="Courier New"/>
+              </a:rPr>
+              <a:t>m1 &lt;- </a:t>
+            </a:r>
+            <a:r>
+              <a:rPr lang="en-US" sz="1600" dirty="0" err="1">
+                <a:solidFill>
+                  <a:schemeClr val="bg1"/>
+                </a:solidFill>
+                <a:latin typeface="Courier New"/>
+              </a:rPr>
+              <a:t>randomForest</a:t>
+            </a:r>
+            <a:r>
+              <a:rPr lang="en-US" sz="1600" dirty="0">
+                <a:solidFill>
+                  <a:schemeClr val="bg1"/>
+                </a:solidFill>
+                <a:latin typeface="Courier New"/>
+              </a:rPr>
+              <a:t>(x=fpm, y=</a:t>
+            </a:r>
+            <a:r>
+              <a:rPr lang="en-US" sz="1600" dirty="0" err="1">
+                <a:solidFill>
+                  <a:schemeClr val="bg1"/>
+                </a:solidFill>
+                <a:latin typeface="Courier New"/>
+              </a:rPr>
+              <a:t>as.factor</a:t>
+            </a:r>
+            <a:r>
+              <a:rPr lang="en-US" sz="1600" dirty="0">
+                <a:solidFill>
+                  <a:schemeClr val="bg1"/>
+                </a:solidFill>
+                <a:latin typeface="Courier New"/>
+              </a:rPr>
+              <a:t>(</a:t>
+            </a:r>
+            <a:r>
+              <a:rPr lang="en-US" sz="1600" dirty="0" err="1">
+                <a:solidFill>
+                  <a:schemeClr val="bg1"/>
+                </a:solidFill>
+                <a:latin typeface="Courier New"/>
+              </a:rPr>
+              <a:t>sol$label</a:t>
+            </a:r>
+            <a:r>
+              <a:rPr lang="en-US" sz="1600" dirty="0">
+                <a:solidFill>
+                  <a:schemeClr val="bg1"/>
+                </a:solidFill>
+                <a:latin typeface="Courier New"/>
+              </a:rPr>
+              <a:t>))</a:t>
+            </a:r>
+          </a:p>
+        </p:txBody>
+      </p:sp>
     </p:spTree>
     <p:extLst>
       <p:ext uri="{BB962C8B-B14F-4D97-AF65-F5344CB8AC3E}">
-        <p14:creationId xmlns:p14="http://schemas.microsoft.com/office/powerpoint/2010/main" val="4004467978"/>
+        <p14:creationId xmlns:p14="http://schemas.microsoft.com/office/powerpoint/2010/main" val="2420109839"/>
       </p:ext>
     </p:extLst>
   </p:cSld>
@@ -3725,7 +4419,7 @@
 </p:sld>
 </file>
 
-<file path=ppt/slides/slide4.xml><?xml version="1.0" encoding="utf-8"?>
+<file path=ppt/slides/slide13.xml><?xml version="1.0" encoding="utf-8"?>
 <p:sld xmlns:a="http://schemas.openxmlformats.org/drawingml/2006/main" xmlns:r="http://schemas.openxmlformats.org/officeDocument/2006/relationships" xmlns:p="http://schemas.openxmlformats.org/presentationml/2006/main">
   <p:cSld>
     <p:spTree>
@@ -3744,7 +4438,7 @@
       </p:grpSpPr>
       <p:sp>
         <p:nvSpPr>
-          <p:cNvPr id="9" name="Title 8"/>
+          <p:cNvPr id="2" name="Title 1"/>
           <p:cNvSpPr>
             <a:spLocks noGrp="1"/>
           </p:cNvSpPr>
@@ -3759,7 +4453,7 @@
           <a:p>
             <a:r>
               <a:rPr lang="en-US" dirty="0" smtClean="0"/>
-              <a:t>HTS Data Types</a:t>
+              <a:t>Clustering with Fingerprints</a:t>
             </a:r>
             <a:endParaRPr lang="en-US" dirty="0"/>
           </a:p>
@@ -3767,7 +4461,7 @@
       </p:sp>
       <p:sp>
         <p:nvSpPr>
-          <p:cNvPr id="10" name="Content Placeholder 9"/>
+          <p:cNvPr id="3" name="Content Placeholder 2"/>
           <p:cNvSpPr>
             <a:spLocks noGrp="1"/>
           </p:cNvSpPr>
@@ -3780,141 +4474,384 @@
           <a:bodyPr/>
           <a:lstStyle/>
           <a:p>
+            <a:r>
+              <a:rPr lang="en-US" dirty="0" smtClean="0"/>
+              <a:t>Generate a distance matrix directly from a list of fingerprints</a:t>
+            </a:r>
             <a:endParaRPr lang="en-US" dirty="0"/>
           </a:p>
         </p:txBody>
       </p:sp>
-    </p:spTree>
-    <p:extLst>
-      <p:ext uri="{BB962C8B-B14F-4D97-AF65-F5344CB8AC3E}">
-        <p14:creationId xmlns:p14="http://schemas.microsoft.com/office/powerpoint/2010/main" val="2233961507"/>
-      </p:ext>
-    </p:extLst>
-  </p:cSld>
-  <p:clrMapOvr>
-    <a:masterClrMapping/>
-  </p:clrMapOvr>
-</p:sld>
-</file>
-
-<file path=ppt/slides/slide5.xml><?xml version="1.0" encoding="utf-8"?>
-<p:sld xmlns:a="http://schemas.openxmlformats.org/drawingml/2006/main" xmlns:r="http://schemas.openxmlformats.org/officeDocument/2006/relationships" xmlns:p="http://schemas.openxmlformats.org/presentationml/2006/main">
-  <p:cSld>
-    <p:spTree>
-      <p:nvGrpSpPr>
-        <p:cNvPr id="1" name=""/>
-        <p:cNvGrpSpPr/>
-        <p:nvPr/>
-      </p:nvGrpSpPr>
-      <p:grpSpPr>
-        <a:xfrm>
-          <a:off x="0" y="0"/>
-          <a:ext cx="0" cy="0"/>
-          <a:chOff x="0" y="0"/>
-          <a:chExt cx="0" cy="0"/>
-        </a:xfrm>
-      </p:grpSpPr>
-      <p:sp>
-        <p:nvSpPr>
-          <p:cNvPr id="2" name="Title 1"/>
-          <p:cNvSpPr>
-            <a:spLocks noGrp="1"/>
-          </p:cNvSpPr>
-          <p:nvPr>
-            <p:ph type="title"/>
-          </p:nvPr>
-        </p:nvSpPr>
-        <p:spPr/>
-        <p:txBody>
-          <a:bodyPr/>
-          <a:lstStyle/>
-          <a:p>
-            <a:r>
-              <a:rPr lang="en-US" dirty="0" smtClean="0"/>
-              <a:t>Fingerprint Representation</a:t>
-            </a:r>
-            <a:endParaRPr lang="en-US" dirty="0"/>
-          </a:p>
-        </p:txBody>
-      </p:sp>
-      <p:sp>
-        <p:nvSpPr>
-          <p:cNvPr id="4" name="Content Placeholder 2"/>
-          <p:cNvSpPr>
-            <a:spLocks noGrp="1"/>
-          </p:cNvSpPr>
-          <p:nvPr>
-            <p:ph idx="1"/>
-          </p:nvPr>
+      <p:sp>
+        <p:nvSpPr>
+          <p:cNvPr id="4" name="Rectangle 3"/>
+          <p:cNvSpPr/>
+          <p:nvPr/>
         </p:nvSpPr>
         <p:spPr>
           <a:xfrm>
-            <a:off x="457200" y="3886200"/>
-            <a:ext cx="8229600" cy="2971800"/>
+            <a:off x="234262" y="3182420"/>
+            <a:ext cx="4290729" cy="2554545"/>
           </a:xfrm>
+          <a:prstGeom prst="rect">
+            <a:avLst/>
+          </a:prstGeom>
+          <a:solidFill>
+            <a:schemeClr val="tx1"/>
+          </a:solidFill>
         </p:spPr>
         <p:txBody>
-          <a:bodyPr>
-            <a:normAutofit fontScale="92500" lnSpcReduction="10000"/>
+          <a:bodyPr wrap="square">
+            <a:spAutoFit/>
           </a:bodyPr>
           <a:lstStyle/>
           <a:p>
             <a:r>
-              <a:rPr lang="en-US" dirty="0"/>
-              <a:t>Lots of types of </a:t>
-            </a:r>
-            <a:r>
-              <a:rPr lang="en-US" dirty="0" err="1"/>
-              <a:t>ﬁngerprints</a:t>
-            </a:r>
-            <a:r>
-              <a:rPr lang="en-US" dirty="0" smtClean="0"/>
+              <a:rPr lang="en-US" sz="1600" dirty="0" smtClean="0">
+                <a:solidFill>
+                  <a:schemeClr val="bg1"/>
+                </a:solidFill>
+                <a:latin typeface="Courier New"/>
+              </a:rPr>
+              <a:t>fps </a:t>
+            </a:r>
+            <a:r>
+              <a:rPr lang="en-US" sz="1600" dirty="0">
+                <a:solidFill>
+                  <a:schemeClr val="bg1"/>
+                </a:solidFill>
+                <a:latin typeface="Courier New"/>
+              </a:rPr>
+              <a:t>&lt;- </a:t>
+            </a:r>
+            <a:r>
+              <a:rPr lang="en-US" sz="1600" dirty="0" err="1">
+                <a:solidFill>
+                  <a:schemeClr val="bg1"/>
+                </a:solidFill>
+                <a:latin typeface="Courier New"/>
+              </a:rPr>
+              <a:t>fp.read</a:t>
+            </a:r>
+            <a:r>
+              <a:rPr lang="en-US" sz="1600" dirty="0">
+                <a:solidFill>
+                  <a:schemeClr val="bg1"/>
+                </a:solidFill>
+                <a:latin typeface="Courier New"/>
+              </a:rPr>
+              <a:t>('data/</a:t>
+            </a:r>
+            <a:r>
+              <a:rPr lang="en-US" sz="1600" dirty="0" err="1">
+                <a:solidFill>
+                  <a:schemeClr val="bg1"/>
+                </a:solidFill>
+                <a:latin typeface="Courier New"/>
+              </a:rPr>
+              <a:t>cdk.fp</a:t>
+            </a:r>
+            <a:r>
+              <a:rPr lang="en-US" sz="1600" dirty="0">
+                <a:solidFill>
+                  <a:schemeClr val="bg1"/>
+                </a:solidFill>
+                <a:latin typeface="Courier New"/>
+              </a:rPr>
+              <a:t>', </a:t>
+            </a:r>
+            <a:endParaRPr lang="en-US" sz="1600" dirty="0" smtClean="0">
+              <a:solidFill>
+                <a:schemeClr val="bg1"/>
+              </a:solidFill>
+              <a:latin typeface="Courier New"/>
+            </a:endParaRPr>
+          </a:p>
+          <a:p>
+            <a:r>
+              <a:rPr lang="en-US" sz="1600" dirty="0">
+                <a:solidFill>
+                  <a:schemeClr val="bg1"/>
+                </a:solidFill>
+                <a:latin typeface="Courier New"/>
+              </a:rPr>
               <a:t> </a:t>
             </a:r>
-          </a:p>
-          <a:p>
-            <a:r>
-              <a:rPr lang="en-US" dirty="0" smtClean="0"/>
-              <a:t>Indicates </a:t>
-            </a:r>
-            <a:r>
-              <a:rPr lang="en-US" dirty="0"/>
-              <a:t>the presence or absence of a structural </a:t>
-            </a:r>
-            <a:r>
-              <a:rPr lang="en-US" dirty="0" smtClean="0"/>
-              <a:t>feature </a:t>
-            </a:r>
-          </a:p>
-          <a:p>
-            <a:r>
-              <a:rPr lang="en-US" dirty="0" smtClean="0"/>
-              <a:t>Length </a:t>
-            </a:r>
-            <a:r>
-              <a:rPr lang="en-US" dirty="0"/>
-              <a:t>can vary from 166 to 4096 bits or more</a:t>
-            </a:r>
-            <a:r>
-              <a:rPr lang="en-US" dirty="0" smtClean="0"/>
+            <a:r>
+              <a:rPr lang="en-US" sz="1600" dirty="0" smtClean="0">
+                <a:solidFill>
+                  <a:schemeClr val="bg1"/>
+                </a:solidFill>
+                <a:latin typeface="Courier New"/>
+              </a:rPr>
+              <a:t>              size=881, </a:t>
+            </a:r>
+          </a:p>
+          <a:p>
+            <a:r>
+              <a:rPr lang="en-US" sz="1600" dirty="0">
+                <a:solidFill>
+                  <a:schemeClr val="bg1"/>
+                </a:solidFill>
+                <a:latin typeface="Courier New"/>
+              </a:rPr>
               <a:t> </a:t>
             </a:r>
-          </a:p>
-          <a:p>
-            <a:r>
-              <a:rPr lang="en-US" dirty="0" smtClean="0"/>
-              <a:t>Fingerprints </a:t>
-            </a:r>
-            <a:r>
-              <a:rPr lang="en-US" dirty="0"/>
-              <a:t>usually compared using the Tanimoto metric</a:t>
-            </a:r>
+            <a:r>
+              <a:rPr lang="en-US" sz="1600" dirty="0" smtClean="0">
+                <a:solidFill>
+                  <a:schemeClr val="bg1"/>
+                </a:solidFill>
+                <a:latin typeface="Courier New"/>
+              </a:rPr>
+              <a:t>              lf</a:t>
+            </a:r>
+            <a:r>
+              <a:rPr lang="en-US" sz="1600" dirty="0">
+                <a:solidFill>
+                  <a:schemeClr val="bg1"/>
+                </a:solidFill>
+                <a:latin typeface="Courier New"/>
+              </a:rPr>
+              <a:t>=</a:t>
+            </a:r>
+            <a:r>
+              <a:rPr lang="en-US" sz="1600" dirty="0" err="1">
+                <a:solidFill>
+                  <a:schemeClr val="bg1"/>
+                </a:solidFill>
+                <a:latin typeface="Courier New"/>
+              </a:rPr>
+              <a:t>cdk.lf</a:t>
+            </a:r>
+            <a:r>
+              <a:rPr lang="en-US" sz="1600" dirty="0">
+                <a:solidFill>
+                  <a:schemeClr val="bg1"/>
+                </a:solidFill>
+                <a:latin typeface="Courier New"/>
+              </a:rPr>
+              <a:t>)[1:500]</a:t>
+            </a:r>
+          </a:p>
+          <a:p>
+            <a:r>
+              <a:rPr lang="en-US" sz="1600" dirty="0" err="1">
+                <a:solidFill>
+                  <a:schemeClr val="bg1"/>
+                </a:solidFill>
+                <a:latin typeface="Courier New"/>
+              </a:rPr>
+              <a:t>sims</a:t>
+            </a:r>
+            <a:r>
+              <a:rPr lang="en-US" sz="1600" dirty="0">
+                <a:solidFill>
+                  <a:schemeClr val="bg1"/>
+                </a:solidFill>
+                <a:latin typeface="Courier New"/>
+              </a:rPr>
+              <a:t> &lt;- </a:t>
+            </a:r>
+            <a:r>
+              <a:rPr lang="en-US" sz="1600" dirty="0" err="1">
+                <a:solidFill>
+                  <a:schemeClr val="bg1"/>
+                </a:solidFill>
+                <a:latin typeface="Courier New"/>
+              </a:rPr>
+              <a:t>fp.sim.matrix</a:t>
+            </a:r>
+            <a:r>
+              <a:rPr lang="en-US" sz="1600" dirty="0">
+                <a:solidFill>
+                  <a:schemeClr val="bg1"/>
+                </a:solidFill>
+                <a:latin typeface="Courier New"/>
+              </a:rPr>
+              <a:t>(fps)</a:t>
+            </a:r>
+          </a:p>
+          <a:p>
+            <a:r>
+              <a:rPr lang="en-US" sz="1600" dirty="0" err="1">
+                <a:solidFill>
+                  <a:schemeClr val="bg1"/>
+                </a:solidFill>
+                <a:latin typeface="Courier New"/>
+              </a:rPr>
+              <a:t>dmat</a:t>
+            </a:r>
+            <a:r>
+              <a:rPr lang="en-US" sz="1600" dirty="0">
+                <a:solidFill>
+                  <a:schemeClr val="bg1"/>
+                </a:solidFill>
+                <a:latin typeface="Courier New"/>
+              </a:rPr>
+              <a:t> &lt;- </a:t>
+            </a:r>
+            <a:r>
+              <a:rPr lang="en-US" sz="1600" dirty="0" err="1">
+                <a:solidFill>
+                  <a:schemeClr val="bg1"/>
+                </a:solidFill>
+                <a:latin typeface="Courier New"/>
+              </a:rPr>
+              <a:t>as.dist</a:t>
+            </a:r>
+            <a:r>
+              <a:rPr lang="en-US" sz="1600" dirty="0">
+                <a:solidFill>
+                  <a:schemeClr val="bg1"/>
+                </a:solidFill>
+                <a:latin typeface="Courier New"/>
+              </a:rPr>
+              <a:t>(1-sims)</a:t>
+            </a:r>
+          </a:p>
+          <a:p>
+            <a:r>
+              <a:rPr lang="en-US" sz="1600" dirty="0" err="1">
+                <a:solidFill>
+                  <a:schemeClr val="bg1"/>
+                </a:solidFill>
+                <a:latin typeface="Courier New"/>
+              </a:rPr>
+              <a:t>clus</a:t>
+            </a:r>
+            <a:r>
+              <a:rPr lang="en-US" sz="1600" dirty="0">
+                <a:solidFill>
+                  <a:schemeClr val="bg1"/>
+                </a:solidFill>
+                <a:latin typeface="Courier New"/>
+              </a:rPr>
+              <a:t> &lt;- </a:t>
+            </a:r>
+            <a:r>
+              <a:rPr lang="en-US" sz="1600" dirty="0" err="1">
+                <a:solidFill>
+                  <a:schemeClr val="bg1"/>
+                </a:solidFill>
+                <a:latin typeface="Courier New"/>
+              </a:rPr>
+              <a:t>hclust</a:t>
+            </a:r>
+            <a:r>
+              <a:rPr lang="en-US" sz="1600" dirty="0">
+                <a:solidFill>
+                  <a:schemeClr val="bg1"/>
+                </a:solidFill>
+                <a:latin typeface="Courier New"/>
+              </a:rPr>
+              <a:t>(</a:t>
+            </a:r>
+            <a:r>
+              <a:rPr lang="en-US" sz="1600" dirty="0" err="1">
+                <a:solidFill>
+                  <a:schemeClr val="bg1"/>
+                </a:solidFill>
+                <a:latin typeface="Courier New"/>
+              </a:rPr>
+              <a:t>dmat</a:t>
+            </a:r>
+            <a:r>
+              <a:rPr lang="en-US" sz="1600" dirty="0">
+                <a:solidFill>
+                  <a:schemeClr val="bg1"/>
+                </a:solidFill>
+                <a:latin typeface="Courier New"/>
+              </a:rPr>
+              <a:t>)</a:t>
+            </a:r>
+          </a:p>
+          <a:p>
+            <a:r>
+              <a:rPr lang="en-US" sz="1600" dirty="0">
+                <a:solidFill>
+                  <a:schemeClr val="bg1"/>
+                </a:solidFill>
+                <a:latin typeface="Courier New"/>
+              </a:rPr>
+              <a:t>par(mar=c(1,4,1,1))</a:t>
+            </a:r>
+          </a:p>
+          <a:p>
+            <a:r>
+              <a:rPr lang="en-US" sz="1600" dirty="0">
+                <a:solidFill>
+                  <a:schemeClr val="bg1"/>
+                </a:solidFill>
+                <a:latin typeface="Courier New"/>
+              </a:rPr>
+              <a:t>plot(</a:t>
+            </a:r>
+            <a:r>
+              <a:rPr lang="en-US" sz="1600" dirty="0" err="1">
+                <a:solidFill>
+                  <a:schemeClr val="bg1"/>
+                </a:solidFill>
+                <a:latin typeface="Courier New"/>
+              </a:rPr>
+              <a:t>clus</a:t>
+            </a:r>
+            <a:r>
+              <a:rPr lang="en-US" sz="1600" dirty="0">
+                <a:solidFill>
+                  <a:schemeClr val="bg1"/>
+                </a:solidFill>
+                <a:latin typeface="Courier New"/>
+              </a:rPr>
+              <a:t>, label=FALSE, </a:t>
+            </a:r>
+            <a:r>
+              <a:rPr lang="en-US" sz="1600" dirty="0" err="1">
+                <a:solidFill>
+                  <a:schemeClr val="bg1"/>
+                </a:solidFill>
+                <a:latin typeface="Courier New"/>
+              </a:rPr>
+              <a:t>xlab</a:t>
+            </a:r>
+            <a:r>
+              <a:rPr lang="en-US" sz="1600" dirty="0">
+                <a:solidFill>
+                  <a:schemeClr val="bg1"/>
+                </a:solidFill>
+                <a:latin typeface="Courier New"/>
+              </a:rPr>
+              <a:t>='', main=</a:t>
+            </a:r>
+            <a:r>
+              <a:rPr lang="en-US" sz="1600" dirty="0" smtClean="0">
+                <a:solidFill>
+                  <a:schemeClr val="bg1"/>
+                </a:solidFill>
+                <a:latin typeface="Courier New"/>
+              </a:rPr>
+              <a:t>'’)</a:t>
+            </a:r>
+            <a:endParaRPr lang="en-US" sz="1600" dirty="0">
+              <a:solidFill>
+                <a:schemeClr val="bg1"/>
+              </a:solidFill>
+              <a:latin typeface="Courier New"/>
+            </a:endParaRPr>
+          </a:p>
+          <a:p>
+            <a:endParaRPr lang="en-US" sz="1600" dirty="0">
+              <a:solidFill>
+                <a:schemeClr val="bg1"/>
+              </a:solidFill>
+              <a:latin typeface="Courier New"/>
+            </a:endParaRPr>
           </a:p>
         </p:txBody>
       </p:sp>
       <p:pic>
         <p:nvPicPr>
-          <p:cNvPr id="5" name="Picture 4" descr="fp.pdf"/>
+          <p:cNvPr id="7" name="Picture 6"/>
           <p:cNvPicPr>
             <a:picLocks noChangeAspect="1"/>
           </p:cNvPicPr>
@@ -3928,8 +4865,8 @@
         </p:blipFill>
         <p:spPr>
           <a:xfrm>
-            <a:off x="2527300" y="1448059"/>
-            <a:ext cx="4330700" cy="2209541"/>
+            <a:off x="4610100" y="2580954"/>
+            <a:ext cx="4533900" cy="4025900"/>
           </a:xfrm>
           <a:prstGeom prst="rect">
             <a:avLst/>
@@ -3939,7 +4876,7 @@
     </p:spTree>
     <p:extLst>
       <p:ext uri="{BB962C8B-B14F-4D97-AF65-F5344CB8AC3E}">
-        <p14:creationId xmlns:p14="http://schemas.microsoft.com/office/powerpoint/2010/main" val="1675594804"/>
+        <p14:creationId xmlns:p14="http://schemas.microsoft.com/office/powerpoint/2010/main" val="2753785597"/>
       </p:ext>
     </p:extLst>
   </p:cSld>
@@ -3949,7 +4886,7 @@
 </p:sld>
 </file>
 
-<file path=ppt/slides/slide6.xml><?xml version="1.0" encoding="utf-8"?>
+<file path=ppt/slides/slide14.xml><?xml version="1.0" encoding="utf-8"?>
 <p:sld xmlns:a="http://schemas.openxmlformats.org/drawingml/2006/main" xmlns:r="http://schemas.openxmlformats.org/officeDocument/2006/relationships" xmlns:p="http://schemas.openxmlformats.org/presentationml/2006/main">
   <p:cSld>
     <p:spTree>
@@ -4090,7 +5027,7 @@
 </p:sld>
 </file>
 
-<file path=ppt/slides/slide7.xml><?xml version="1.0" encoding="utf-8"?>
+<file path=ppt/slides/slide15.xml><?xml version="1.0" encoding="utf-8"?>
 <p:sld xmlns:a="http://schemas.openxmlformats.org/drawingml/2006/main" xmlns:r="http://schemas.openxmlformats.org/officeDocument/2006/relationships" xmlns:p="http://schemas.openxmlformats.org/presentationml/2006/main">
   <p:cSld>
     <p:spTree>
@@ -4244,7 +5181,7 @@
 </p:sld>
 </file>
 
-<file path=ppt/slides/slide8.xml><?xml version="1.0" encoding="utf-8"?>
+<file path=ppt/slides/slide16.xml><?xml version="1.0" encoding="utf-8"?>
 <p:sld xmlns:a="http://schemas.openxmlformats.org/drawingml/2006/main" xmlns:r="http://schemas.openxmlformats.org/officeDocument/2006/relationships" xmlns:p="http://schemas.openxmlformats.org/presentationml/2006/main">
   <p:cSld>
     <p:spTree>
@@ -4261,66 +5198,9 @@
           <a:chExt cx="0" cy="0"/>
         </a:xfrm>
       </p:grpSpPr>
-      <p:sp>
-        <p:nvSpPr>
-          <p:cNvPr id="2" name="Title 1"/>
-          <p:cNvSpPr>
-            <a:spLocks noGrp="1"/>
-          </p:cNvSpPr>
-          <p:nvPr>
-            <p:ph type="title"/>
-          </p:nvPr>
-        </p:nvSpPr>
-        <p:spPr/>
-        <p:txBody>
-          <a:bodyPr/>
-          <a:lstStyle/>
-          <a:p>
-            <a:r>
-              <a:rPr lang="en-US" dirty="0" smtClean="0"/>
-              <a:t>Bit Spectrum</a:t>
-            </a:r>
-            <a:endParaRPr lang="en-US" dirty="0"/>
-          </a:p>
-        </p:txBody>
-      </p:sp>
-      <p:sp>
-        <p:nvSpPr>
-          <p:cNvPr id="3" name="Content Placeholder 2"/>
-          <p:cNvSpPr>
-            <a:spLocks noGrp="1"/>
-          </p:cNvSpPr>
-          <p:nvPr>
-            <p:ph idx="1"/>
-          </p:nvPr>
-        </p:nvSpPr>
-        <p:spPr>
-          <a:xfrm>
-            <a:off x="239607" y="1600200"/>
-            <a:ext cx="8649811" cy="4525963"/>
-          </a:xfrm>
-        </p:spPr>
-        <p:txBody>
-          <a:bodyPr/>
-          <a:lstStyle/>
-          <a:p>
-            <a:r>
-              <a:rPr lang="en-US" dirty="0" smtClean="0"/>
-              <a:t>Vector summary of the fingerprints for a dataset</a:t>
-            </a:r>
-          </a:p>
-          <a:p>
-            <a:r>
-              <a:rPr lang="en-US" dirty="0" smtClean="0"/>
-              <a:t>Defined as the fraction of times a bit position is set to 1, for each bit position</a:t>
-            </a:r>
-            <a:endParaRPr lang="en-US" dirty="0"/>
-          </a:p>
-        </p:txBody>
-      </p:sp>
       <p:pic>
         <p:nvPicPr>
-          <p:cNvPr id="5" name="Picture 4"/>
+          <p:cNvPr id="7" name="Picture 6"/>
           <p:cNvPicPr>
             <a:picLocks noChangeAspect="1"/>
           </p:cNvPicPr>
@@ -4334,14 +5214,71 @@
         </p:blipFill>
         <p:spPr>
           <a:xfrm>
-            <a:off x="23971" y="3464248"/>
-            <a:ext cx="6289680" cy="3054987"/>
+            <a:off x="0" y="3278162"/>
+            <a:ext cx="6324600" cy="3314700"/>
           </a:xfrm>
           <a:prstGeom prst="rect">
             <a:avLst/>
           </a:prstGeom>
         </p:spPr>
       </p:pic>
+      <p:sp>
+        <p:nvSpPr>
+          <p:cNvPr id="2" name="Title 1"/>
+          <p:cNvSpPr>
+            <a:spLocks noGrp="1"/>
+          </p:cNvSpPr>
+          <p:nvPr>
+            <p:ph type="title"/>
+          </p:nvPr>
+        </p:nvSpPr>
+        <p:spPr/>
+        <p:txBody>
+          <a:bodyPr/>
+          <a:lstStyle/>
+          <a:p>
+            <a:r>
+              <a:rPr lang="en-US" dirty="0" smtClean="0"/>
+              <a:t>Bit Spectrum</a:t>
+            </a:r>
+            <a:endParaRPr lang="en-US" dirty="0"/>
+          </a:p>
+        </p:txBody>
+      </p:sp>
+      <p:sp>
+        <p:nvSpPr>
+          <p:cNvPr id="3" name="Content Placeholder 2"/>
+          <p:cNvSpPr>
+            <a:spLocks noGrp="1"/>
+          </p:cNvSpPr>
+          <p:nvPr>
+            <p:ph idx="1"/>
+          </p:nvPr>
+        </p:nvSpPr>
+        <p:spPr>
+          <a:xfrm>
+            <a:off x="239607" y="1600200"/>
+            <a:ext cx="8649811" cy="4525963"/>
+          </a:xfrm>
+        </p:spPr>
+        <p:txBody>
+          <a:bodyPr/>
+          <a:lstStyle/>
+          <a:p>
+            <a:r>
+              <a:rPr lang="en-US" dirty="0" smtClean="0"/>
+              <a:t>Vector summary of the fingerprints for a dataset</a:t>
+            </a:r>
+          </a:p>
+          <a:p>
+            <a:r>
+              <a:rPr lang="en-US" dirty="0" smtClean="0"/>
+              <a:t>Defined as the fraction of times a bit position is set to 1, for each bit position</a:t>
+            </a:r>
+            <a:endParaRPr lang="en-US" dirty="0"/>
+          </a:p>
+        </p:txBody>
+      </p:sp>
       <p:pic>
         <p:nvPicPr>
           <p:cNvPr id="6" name="Picture 5"/>
@@ -4404,6 +5341,36 @@
           </a:fontRef>
         </p:style>
       </p:cxnSp>
+      <p:sp>
+        <p:nvSpPr>
+          <p:cNvPr id="9" name="TextBox 8"/>
+          <p:cNvSpPr txBox="1"/>
+          <p:nvPr/>
+        </p:nvSpPr>
+        <p:spPr>
+          <a:xfrm>
+            <a:off x="4483123" y="3390472"/>
+            <a:ext cx="1710725" cy="369332"/>
+          </a:xfrm>
+          <a:prstGeom prst="rect">
+            <a:avLst/>
+          </a:prstGeom>
+          <a:noFill/>
+        </p:spPr>
+        <p:txBody>
+          <a:bodyPr wrap="none" rtlCol="0">
+            <a:spAutoFit/>
+          </a:bodyPr>
+          <a:lstStyle/>
+          <a:p>
+            <a:r>
+              <a:rPr lang="en-US" dirty="0" smtClean="0"/>
+              <a:t>~ 10K molecules</a:t>
+            </a:r>
+            <a:endParaRPr lang="en-US" dirty="0"/>
+          </a:p>
+        </p:txBody>
+      </p:sp>
     </p:spTree>
     <p:extLst>
       <p:ext uri="{BB962C8B-B14F-4D97-AF65-F5344CB8AC3E}">
@@ -4424,6 +5391,2233 @@
 </p:sld>
 </file>
 
+<file path=ppt/slides/slide17.xml><?xml version="1.0" encoding="utf-8"?>
+<p:sld xmlns:a="http://schemas.openxmlformats.org/drawingml/2006/main" xmlns:r="http://schemas.openxmlformats.org/officeDocument/2006/relationships" xmlns:p="http://schemas.openxmlformats.org/presentationml/2006/main">
+  <p:cSld>
+    <p:spTree>
+      <p:nvGrpSpPr>
+        <p:cNvPr id="1" name=""/>
+        <p:cNvGrpSpPr/>
+        <p:nvPr/>
+      </p:nvGrpSpPr>
+      <p:grpSpPr>
+        <a:xfrm>
+          <a:off x="0" y="0"/>
+          <a:ext cx="0" cy="0"/>
+          <a:chOff x="0" y="0"/>
+          <a:chExt cx="0" cy="0"/>
+        </a:xfrm>
+      </p:grpSpPr>
+      <p:sp>
+        <p:nvSpPr>
+          <p:cNvPr id="2" name="Title 1"/>
+          <p:cNvSpPr>
+            <a:spLocks noGrp="1"/>
+          </p:cNvSpPr>
+          <p:nvPr>
+            <p:ph type="title"/>
+          </p:nvPr>
+        </p:nvSpPr>
+        <p:spPr/>
+        <p:txBody>
+          <a:bodyPr/>
+          <a:lstStyle/>
+          <a:p>
+            <a:r>
+              <a:rPr lang="en-US" dirty="0" smtClean="0"/>
+              <a:t>Bit Spectrum</a:t>
+            </a:r>
+            <a:endParaRPr lang="en-US" dirty="0"/>
+          </a:p>
+        </p:txBody>
+      </p:sp>
+      <p:sp>
+        <p:nvSpPr>
+          <p:cNvPr id="3" name="Content Placeholder 2"/>
+          <p:cNvSpPr>
+            <a:spLocks noGrp="1"/>
+          </p:cNvSpPr>
+          <p:nvPr>
+            <p:ph idx="1"/>
+          </p:nvPr>
+        </p:nvSpPr>
+        <p:spPr/>
+        <p:txBody>
+          <a:bodyPr/>
+          <a:lstStyle/>
+          <a:p>
+            <a:r>
+              <a:rPr lang="en-US" dirty="0" smtClean="0"/>
+              <a:t>Now comparison of two datasets is a O(1) operation – independent dataset size</a:t>
+            </a:r>
+          </a:p>
+          <a:p>
+            <a:pPr lvl="1"/>
+            <a:r>
+              <a:rPr lang="en-US" dirty="0" smtClean="0"/>
+              <a:t>Simply </a:t>
+            </a:r>
+            <a:r>
+              <a:rPr lang="en-US" dirty="0" smtClean="0"/>
+              <a:t>take the difference of two bit spectra</a:t>
+            </a:r>
+            <a:endParaRPr lang="en-US" dirty="0"/>
+          </a:p>
+        </p:txBody>
+      </p:sp>
+      <p:sp>
+        <p:nvSpPr>
+          <p:cNvPr id="7" name="Rectangle 6"/>
+          <p:cNvSpPr/>
+          <p:nvPr/>
+        </p:nvSpPr>
+        <p:spPr>
+          <a:xfrm>
+            <a:off x="4504618" y="3429000"/>
+            <a:ext cx="4480642" cy="2677656"/>
+          </a:xfrm>
+          <a:prstGeom prst="rect">
+            <a:avLst/>
+          </a:prstGeom>
+          <a:solidFill>
+            <a:schemeClr val="tx1"/>
+          </a:solidFill>
+        </p:spPr>
+        <p:txBody>
+          <a:bodyPr wrap="square">
+            <a:spAutoFit/>
+          </a:bodyPr>
+          <a:lstStyle/>
+          <a:p>
+            <a:r>
+              <a:rPr lang="en-US" sz="1200" dirty="0">
+                <a:solidFill>
+                  <a:srgbClr val="FF0000"/>
+                </a:solidFill>
+                <a:latin typeface="Courier New"/>
+              </a:rPr>
+              <a:t>## make two subsets and generate bit </a:t>
+            </a:r>
+            <a:r>
+              <a:rPr lang="en-US" sz="1200" dirty="0" smtClean="0">
+                <a:solidFill>
+                  <a:srgbClr val="FF0000"/>
+                </a:solidFill>
+                <a:latin typeface="Courier New"/>
+              </a:rPr>
+              <a:t>spectra</a:t>
+            </a:r>
+            <a:endParaRPr lang="en-US" sz="1200" dirty="0">
+              <a:solidFill>
+                <a:srgbClr val="FF0000"/>
+              </a:solidFill>
+              <a:latin typeface="Courier New"/>
+            </a:endParaRPr>
+          </a:p>
+          <a:p>
+            <a:r>
+              <a:rPr lang="en-US" sz="1200" dirty="0" err="1">
+                <a:solidFill>
+                  <a:schemeClr val="bg1"/>
+                </a:solidFill>
+                <a:latin typeface="Courier New"/>
+              </a:rPr>
+              <a:t>sol.idx</a:t>
+            </a:r>
+            <a:r>
+              <a:rPr lang="en-US" sz="1200" dirty="0">
+                <a:solidFill>
+                  <a:schemeClr val="bg1"/>
+                </a:solidFill>
+                <a:latin typeface="Courier New"/>
+              </a:rPr>
+              <a:t> &lt;- which(</a:t>
+            </a:r>
+            <a:r>
+              <a:rPr lang="en-US" sz="1200" dirty="0" err="1">
+                <a:solidFill>
+                  <a:schemeClr val="bg1"/>
+                </a:solidFill>
+                <a:latin typeface="Courier New"/>
+              </a:rPr>
+              <a:t>sol$label</a:t>
+            </a:r>
+            <a:r>
+              <a:rPr lang="en-US" sz="1200" dirty="0">
+                <a:solidFill>
+                  <a:schemeClr val="bg1"/>
+                </a:solidFill>
+                <a:latin typeface="Courier New"/>
+              </a:rPr>
+              <a:t> == 'high')</a:t>
+            </a:r>
+          </a:p>
+          <a:p>
+            <a:r>
+              <a:rPr lang="en-US" sz="1200" dirty="0" err="1">
+                <a:solidFill>
+                  <a:schemeClr val="bg1"/>
+                </a:solidFill>
+                <a:latin typeface="Courier New"/>
+              </a:rPr>
+              <a:t>insol.idx</a:t>
+            </a:r>
+            <a:r>
+              <a:rPr lang="en-US" sz="1200" dirty="0">
+                <a:solidFill>
+                  <a:schemeClr val="bg1"/>
+                </a:solidFill>
+                <a:latin typeface="Courier New"/>
+              </a:rPr>
+              <a:t> &lt;- which(</a:t>
+            </a:r>
+            <a:r>
+              <a:rPr lang="en-US" sz="1200" dirty="0" err="1">
+                <a:solidFill>
+                  <a:schemeClr val="bg1"/>
+                </a:solidFill>
+                <a:latin typeface="Courier New"/>
+              </a:rPr>
+              <a:t>sol$label</a:t>
+            </a:r>
+            <a:r>
+              <a:rPr lang="en-US" sz="1200" dirty="0">
+                <a:solidFill>
+                  <a:schemeClr val="bg1"/>
+                </a:solidFill>
+                <a:latin typeface="Courier New"/>
+              </a:rPr>
+              <a:t> != 'high')</a:t>
+            </a:r>
+          </a:p>
+          <a:p>
+            <a:endParaRPr lang="en-US" sz="1200" dirty="0" smtClean="0">
+              <a:solidFill>
+                <a:schemeClr val="bg1"/>
+              </a:solidFill>
+              <a:latin typeface="Courier New"/>
+            </a:endParaRPr>
+          </a:p>
+          <a:p>
+            <a:r>
+              <a:rPr lang="en-US" sz="1200" dirty="0" err="1">
+                <a:solidFill>
+                  <a:schemeClr val="bg1"/>
+                </a:solidFill>
+                <a:latin typeface="Courier New"/>
+              </a:rPr>
+              <a:t>sol.bs</a:t>
+            </a:r>
+            <a:r>
+              <a:rPr lang="en-US" sz="1200" dirty="0">
+                <a:solidFill>
+                  <a:schemeClr val="bg1"/>
+                </a:solidFill>
+                <a:latin typeface="Courier New"/>
+              </a:rPr>
+              <a:t> &lt;- </a:t>
+            </a:r>
+            <a:r>
+              <a:rPr lang="en-US" sz="1200" dirty="0" err="1">
+                <a:solidFill>
+                  <a:schemeClr val="bg1"/>
+                </a:solidFill>
+                <a:latin typeface="Courier New"/>
+              </a:rPr>
+              <a:t>bit.spectrum</a:t>
+            </a:r>
+            <a:r>
+              <a:rPr lang="en-US" sz="1200" dirty="0">
+                <a:solidFill>
+                  <a:schemeClr val="bg1"/>
+                </a:solidFill>
+                <a:latin typeface="Courier New"/>
+              </a:rPr>
+              <a:t>(fps[</a:t>
+            </a:r>
+            <a:r>
+              <a:rPr lang="en-US" sz="1200" dirty="0" err="1">
+                <a:solidFill>
+                  <a:schemeClr val="bg1"/>
+                </a:solidFill>
+                <a:latin typeface="Courier New"/>
+              </a:rPr>
+              <a:t>sol.idx</a:t>
+            </a:r>
+            <a:r>
+              <a:rPr lang="en-US" sz="1200" dirty="0">
+                <a:solidFill>
+                  <a:schemeClr val="bg1"/>
+                </a:solidFill>
+                <a:latin typeface="Courier New"/>
+              </a:rPr>
+              <a:t>])</a:t>
+            </a:r>
+          </a:p>
+          <a:p>
+            <a:r>
+              <a:rPr lang="en-US" sz="1200" dirty="0" err="1">
+                <a:solidFill>
+                  <a:schemeClr val="bg1"/>
+                </a:solidFill>
+                <a:latin typeface="Courier New"/>
+              </a:rPr>
+              <a:t>insol.bs</a:t>
+            </a:r>
+            <a:r>
+              <a:rPr lang="en-US" sz="1200" dirty="0">
+                <a:solidFill>
+                  <a:schemeClr val="bg1"/>
+                </a:solidFill>
+                <a:latin typeface="Courier New"/>
+              </a:rPr>
+              <a:t> &lt;- </a:t>
+            </a:r>
+            <a:r>
+              <a:rPr lang="en-US" sz="1200" dirty="0" err="1">
+                <a:solidFill>
+                  <a:schemeClr val="bg1"/>
+                </a:solidFill>
+                <a:latin typeface="Courier New"/>
+              </a:rPr>
+              <a:t>bit.spectrum</a:t>
+            </a:r>
+            <a:r>
+              <a:rPr lang="en-US" sz="1200" dirty="0">
+                <a:solidFill>
+                  <a:schemeClr val="bg1"/>
+                </a:solidFill>
+                <a:latin typeface="Courier New"/>
+              </a:rPr>
+              <a:t>(fps[</a:t>
+            </a:r>
+            <a:r>
+              <a:rPr lang="en-US" sz="1200" dirty="0" err="1">
+                <a:solidFill>
+                  <a:schemeClr val="bg1"/>
+                </a:solidFill>
+                <a:latin typeface="Courier New"/>
+              </a:rPr>
+              <a:t>insol.idx</a:t>
+            </a:r>
+            <a:r>
+              <a:rPr lang="en-US" sz="1200" dirty="0">
+                <a:solidFill>
+                  <a:schemeClr val="bg1"/>
+                </a:solidFill>
+                <a:latin typeface="Courier New"/>
+              </a:rPr>
+              <a:t>]</a:t>
+            </a:r>
+            <a:r>
+              <a:rPr lang="en-US" sz="1200" dirty="0" smtClean="0">
+                <a:solidFill>
+                  <a:schemeClr val="bg1"/>
+                </a:solidFill>
+                <a:latin typeface="Courier New"/>
+              </a:rPr>
+              <a:t>)</a:t>
+            </a:r>
+          </a:p>
+          <a:p>
+            <a:endParaRPr lang="en-US" sz="1200" dirty="0">
+              <a:solidFill>
+                <a:schemeClr val="bg1"/>
+              </a:solidFill>
+              <a:latin typeface="Courier New"/>
+            </a:endParaRPr>
+          </a:p>
+          <a:p>
+            <a:r>
+              <a:rPr lang="en-US" sz="1200" dirty="0">
+                <a:solidFill>
+                  <a:srgbClr val="FF0000"/>
+                </a:solidFill>
+                <a:latin typeface="Courier New"/>
+              </a:rPr>
+              <a:t>## display a difference plot </a:t>
+            </a:r>
+            <a:endParaRPr lang="en-US" sz="1200" dirty="0" smtClean="0">
+              <a:solidFill>
+                <a:srgbClr val="FF0000"/>
+              </a:solidFill>
+              <a:latin typeface="Courier New"/>
+            </a:endParaRPr>
+          </a:p>
+          <a:p>
+            <a:r>
+              <a:rPr lang="en-US" sz="1200" dirty="0" err="1">
+                <a:solidFill>
+                  <a:schemeClr val="bg1"/>
+                </a:solidFill>
+                <a:latin typeface="Courier New"/>
+              </a:rPr>
+              <a:t>bsdiff</a:t>
+            </a:r>
+            <a:r>
+              <a:rPr lang="en-US" sz="1200" dirty="0">
+                <a:solidFill>
+                  <a:schemeClr val="bg1"/>
+                </a:solidFill>
+                <a:latin typeface="Courier New"/>
+              </a:rPr>
+              <a:t> &lt;- </a:t>
+            </a:r>
+            <a:r>
+              <a:rPr lang="en-US" sz="1200" dirty="0" err="1">
+                <a:solidFill>
+                  <a:schemeClr val="bg1"/>
+                </a:solidFill>
+                <a:latin typeface="Courier New"/>
+              </a:rPr>
+              <a:t>sol.bs</a:t>
+            </a:r>
+            <a:r>
+              <a:rPr lang="en-US" sz="1200" dirty="0">
+                <a:solidFill>
+                  <a:schemeClr val="bg1"/>
+                </a:solidFill>
+                <a:latin typeface="Courier New"/>
+              </a:rPr>
+              <a:t> - </a:t>
+            </a:r>
+            <a:r>
+              <a:rPr lang="en-US" sz="1200" dirty="0" err="1">
+                <a:solidFill>
+                  <a:schemeClr val="bg1"/>
+                </a:solidFill>
+                <a:latin typeface="Courier New"/>
+              </a:rPr>
+              <a:t>insol.bs</a:t>
+            </a:r>
+            <a:endParaRPr lang="en-US" sz="1200" dirty="0">
+              <a:solidFill>
+                <a:schemeClr val="bg1"/>
+              </a:solidFill>
+              <a:latin typeface="Courier New"/>
+            </a:endParaRPr>
+          </a:p>
+          <a:p>
+            <a:r>
+              <a:rPr lang="en-US" sz="1200" dirty="0">
+                <a:solidFill>
+                  <a:schemeClr val="bg1"/>
+                </a:solidFill>
+                <a:latin typeface="Courier New"/>
+              </a:rPr>
+              <a:t>d &lt;- </a:t>
+            </a:r>
+            <a:r>
+              <a:rPr lang="en-US" sz="1200" dirty="0" err="1">
+                <a:solidFill>
+                  <a:schemeClr val="bg1"/>
+                </a:solidFill>
+                <a:latin typeface="Courier New"/>
+              </a:rPr>
+              <a:t>data.frame</a:t>
+            </a:r>
+            <a:r>
+              <a:rPr lang="en-US" sz="1200" dirty="0">
+                <a:solidFill>
+                  <a:schemeClr val="bg1"/>
+                </a:solidFill>
+                <a:latin typeface="Courier New"/>
+              </a:rPr>
+              <a:t>(x=1:length(</a:t>
+            </a:r>
+            <a:r>
+              <a:rPr lang="en-US" sz="1200" dirty="0" err="1">
+                <a:solidFill>
+                  <a:schemeClr val="bg1"/>
+                </a:solidFill>
+                <a:latin typeface="Courier New"/>
+              </a:rPr>
+              <a:t>sol.bs</a:t>
+            </a:r>
+            <a:r>
+              <a:rPr lang="en-US" sz="1200" dirty="0">
+                <a:solidFill>
+                  <a:schemeClr val="bg1"/>
+                </a:solidFill>
+                <a:latin typeface="Courier New"/>
+              </a:rPr>
+              <a:t>), y=</a:t>
+            </a:r>
+            <a:r>
+              <a:rPr lang="en-US" sz="1200" dirty="0" err="1">
+                <a:solidFill>
+                  <a:schemeClr val="bg1"/>
+                </a:solidFill>
+                <a:latin typeface="Courier New"/>
+              </a:rPr>
+              <a:t>bsdiff</a:t>
+            </a:r>
+            <a:r>
+              <a:rPr lang="en-US" sz="1200" dirty="0">
+                <a:solidFill>
+                  <a:schemeClr val="bg1"/>
+                </a:solidFill>
+                <a:latin typeface="Courier New"/>
+              </a:rPr>
+              <a:t>)</a:t>
+            </a:r>
+          </a:p>
+          <a:p>
+            <a:r>
+              <a:rPr lang="en-US" sz="1200" dirty="0" err="1">
+                <a:solidFill>
+                  <a:schemeClr val="bg1"/>
+                </a:solidFill>
+                <a:latin typeface="Courier New"/>
+              </a:rPr>
+              <a:t>ggplot</a:t>
+            </a:r>
+            <a:r>
+              <a:rPr lang="en-US" sz="1200" dirty="0">
+                <a:solidFill>
+                  <a:schemeClr val="bg1"/>
+                </a:solidFill>
+                <a:latin typeface="Courier New"/>
+              </a:rPr>
+              <a:t>(d, </a:t>
+            </a:r>
+            <a:r>
+              <a:rPr lang="en-US" sz="1200" dirty="0" err="1">
+                <a:solidFill>
+                  <a:schemeClr val="bg1"/>
+                </a:solidFill>
+                <a:latin typeface="Courier New"/>
+              </a:rPr>
+              <a:t>aes</a:t>
+            </a:r>
+            <a:r>
+              <a:rPr lang="en-US" sz="1200" dirty="0">
+                <a:solidFill>
+                  <a:schemeClr val="bg1"/>
+                </a:solidFill>
+                <a:latin typeface="Courier New"/>
+              </a:rPr>
+              <a:t>(x=</a:t>
+            </a:r>
+            <a:r>
+              <a:rPr lang="en-US" sz="1200" dirty="0" err="1">
+                <a:solidFill>
+                  <a:schemeClr val="bg1"/>
+                </a:solidFill>
+                <a:latin typeface="Courier New"/>
+              </a:rPr>
+              <a:t>x,y</a:t>
+            </a:r>
+            <a:r>
+              <a:rPr lang="en-US" sz="1200" dirty="0">
+                <a:solidFill>
+                  <a:schemeClr val="bg1"/>
+                </a:solidFill>
+                <a:latin typeface="Courier New"/>
+              </a:rPr>
+              <a:t>=y))+</a:t>
+            </a:r>
+            <a:r>
+              <a:rPr lang="en-US" sz="1200" dirty="0" err="1">
+                <a:solidFill>
+                  <a:schemeClr val="bg1"/>
+                </a:solidFill>
+                <a:latin typeface="Courier New"/>
+              </a:rPr>
+              <a:t>geom_line</a:t>
+            </a:r>
+            <a:r>
+              <a:rPr lang="en-US" sz="1200" dirty="0">
+                <a:solidFill>
+                  <a:schemeClr val="bg1"/>
+                </a:solidFill>
+                <a:latin typeface="Courier New"/>
+              </a:rPr>
+              <a:t>()+</a:t>
+            </a:r>
+          </a:p>
+          <a:p>
+            <a:r>
+              <a:rPr lang="en-US" sz="1200" dirty="0">
+                <a:solidFill>
+                  <a:schemeClr val="bg1"/>
+                </a:solidFill>
+                <a:latin typeface="Courier New"/>
+              </a:rPr>
+              <a:t>  </a:t>
+            </a:r>
+            <a:r>
+              <a:rPr lang="en-US" sz="1200" dirty="0" err="1">
+                <a:solidFill>
+                  <a:schemeClr val="bg1"/>
+                </a:solidFill>
+                <a:latin typeface="Courier New"/>
+              </a:rPr>
+              <a:t>xlab</a:t>
+            </a:r>
+            <a:r>
+              <a:rPr lang="en-US" sz="1200" dirty="0">
+                <a:solidFill>
+                  <a:schemeClr val="bg1"/>
+                </a:solidFill>
+                <a:latin typeface="Courier New"/>
+              </a:rPr>
+              <a:t>('Bit Position')</a:t>
+            </a:r>
+            <a:r>
+              <a:rPr lang="en-US" sz="1200" dirty="0" smtClean="0">
+                <a:solidFill>
+                  <a:schemeClr val="bg1"/>
+                </a:solidFill>
+                <a:latin typeface="Courier New"/>
+              </a:rPr>
+              <a:t>+</a:t>
+            </a:r>
+          </a:p>
+          <a:p>
+            <a:r>
+              <a:rPr lang="en-US" sz="1200" dirty="0">
+                <a:solidFill>
+                  <a:schemeClr val="bg1"/>
+                </a:solidFill>
+                <a:latin typeface="Courier New"/>
+              </a:rPr>
+              <a:t> </a:t>
+            </a:r>
+            <a:r>
+              <a:rPr lang="en-US" sz="1200" dirty="0" smtClean="0">
+                <a:solidFill>
+                  <a:schemeClr val="bg1"/>
+                </a:solidFill>
+                <a:latin typeface="Courier New"/>
+              </a:rPr>
+              <a:t> </a:t>
+            </a:r>
+            <a:r>
+              <a:rPr lang="en-US" sz="1200" dirty="0" err="1" smtClean="0">
+                <a:solidFill>
+                  <a:schemeClr val="bg1"/>
+                </a:solidFill>
+                <a:latin typeface="Courier New"/>
+              </a:rPr>
+              <a:t>ylab</a:t>
+            </a:r>
+            <a:r>
+              <a:rPr lang="en-US" sz="1200" dirty="0">
+                <a:solidFill>
+                  <a:schemeClr val="bg1"/>
+                </a:solidFill>
+                <a:latin typeface="Courier New"/>
+              </a:rPr>
+              <a:t>('Normalized Frequency')+</a:t>
+            </a:r>
+          </a:p>
+          <a:p>
+            <a:r>
+              <a:rPr lang="en-US" sz="1200" dirty="0">
+                <a:solidFill>
+                  <a:schemeClr val="bg1"/>
+                </a:solidFill>
+                <a:latin typeface="Courier New"/>
+              </a:rPr>
+              <a:t>  </a:t>
+            </a:r>
+            <a:r>
+              <a:rPr lang="en-US" sz="1200" dirty="0" err="1">
+                <a:solidFill>
+                  <a:schemeClr val="bg1"/>
+                </a:solidFill>
+                <a:latin typeface="Courier New"/>
+              </a:rPr>
+              <a:t>ylim</a:t>
+            </a:r>
+            <a:r>
+              <a:rPr lang="en-US" sz="1200" dirty="0">
+                <a:solidFill>
+                  <a:schemeClr val="bg1"/>
+                </a:solidFill>
+                <a:latin typeface="Courier New"/>
+              </a:rPr>
+              <a:t>(c(-1,1))</a:t>
+            </a:r>
+          </a:p>
+        </p:txBody>
+      </p:sp>
+      <p:pic>
+        <p:nvPicPr>
+          <p:cNvPr id="10" name="Picture 9"/>
+          <p:cNvPicPr>
+            <a:picLocks noChangeAspect="1"/>
+          </p:cNvPicPr>
+          <p:nvPr/>
+        </p:nvPicPr>
+        <p:blipFill>
+          <a:blip r:embed="rId2"/>
+          <a:stretch>
+            <a:fillRect/>
+          </a:stretch>
+        </p:blipFill>
+        <p:spPr>
+          <a:xfrm>
+            <a:off x="0" y="3254425"/>
+            <a:ext cx="4522764" cy="3119662"/>
+          </a:xfrm>
+          <a:prstGeom prst="rect">
+            <a:avLst/>
+          </a:prstGeom>
+        </p:spPr>
+      </p:pic>
+    </p:spTree>
+    <p:extLst>
+      <p:ext uri="{BB962C8B-B14F-4D97-AF65-F5344CB8AC3E}">
+        <p14:creationId xmlns:p14="http://schemas.microsoft.com/office/powerpoint/2010/main" val="1690091757"/>
+      </p:ext>
+    </p:extLst>
+  </p:cSld>
+  <p:clrMapOvr>
+    <a:masterClrMapping/>
+  </p:clrMapOvr>
+  <p:timing>
+    <p:tnLst>
+      <p:par>
+        <p:cTn xmlns:p14="http://schemas.microsoft.com/office/powerpoint/2010/main" id="1" dur="indefinite" restart="never" nodeType="tmRoot"/>
+      </p:par>
+    </p:tnLst>
+  </p:timing>
+</p:sld>
+</file>
+
+<file path=ppt/slides/slide18.xml><?xml version="1.0" encoding="utf-8"?>
+<p:sld xmlns:a="http://schemas.openxmlformats.org/drawingml/2006/main" xmlns:r="http://schemas.openxmlformats.org/officeDocument/2006/relationships" xmlns:p="http://schemas.openxmlformats.org/presentationml/2006/main">
+  <p:cSld>
+    <p:spTree>
+      <p:nvGrpSpPr>
+        <p:cNvPr id="1" name=""/>
+        <p:cNvGrpSpPr/>
+        <p:nvPr/>
+      </p:nvGrpSpPr>
+      <p:grpSpPr>
+        <a:xfrm>
+          <a:off x="0" y="0"/>
+          <a:ext cx="0" cy="0"/>
+          <a:chOff x="0" y="0"/>
+          <a:chExt cx="0" cy="0"/>
+        </a:xfrm>
+      </p:grpSpPr>
+      <p:sp>
+        <p:nvSpPr>
+          <p:cNvPr id="2" name="Title 1"/>
+          <p:cNvSpPr>
+            <a:spLocks noGrp="1"/>
+          </p:cNvSpPr>
+          <p:nvPr>
+            <p:ph type="title"/>
+          </p:nvPr>
+        </p:nvSpPr>
+        <p:spPr/>
+        <p:txBody>
+          <a:bodyPr>
+            <a:normAutofit fontScale="90000"/>
+          </a:bodyPr>
+          <a:lstStyle/>
+          <a:p>
+            <a:r>
+              <a:rPr lang="en-US" dirty="0" smtClean="0"/>
+              <a:t>Explaining Poor Model Performance</a:t>
+            </a:r>
+            <a:endParaRPr lang="en-US" dirty="0"/>
+          </a:p>
+        </p:txBody>
+      </p:sp>
+      <p:sp>
+        <p:nvSpPr>
+          <p:cNvPr id="6" name="Content Placeholder 5"/>
+          <p:cNvSpPr>
+            <a:spLocks noGrp="1"/>
+          </p:cNvSpPr>
+          <p:nvPr>
+            <p:ph idx="1"/>
+          </p:nvPr>
+        </p:nvSpPr>
+        <p:spPr>
+          <a:xfrm>
+            <a:off x="239607" y="1600200"/>
+            <a:ext cx="3618065" cy="4525963"/>
+          </a:xfrm>
+        </p:spPr>
+        <p:txBody>
+          <a:bodyPr/>
+          <a:lstStyle/>
+          <a:p>
+            <a:r>
+              <a:rPr lang="en-US" dirty="0" smtClean="0"/>
+              <a:t>Training set for model</a:t>
+            </a:r>
+          </a:p>
+          <a:p>
+            <a:r>
+              <a:rPr lang="en-US" dirty="0" smtClean="0"/>
+              <a:t>Poor predictions on test set</a:t>
+            </a:r>
+          </a:p>
+          <a:p>
+            <a:r>
+              <a:rPr lang="en-US" i="1" dirty="0" smtClean="0"/>
+              <a:t>Both test set classes look like the toxic class in the training set</a:t>
+            </a:r>
+            <a:endParaRPr lang="en-US" i="1" dirty="0"/>
+          </a:p>
+        </p:txBody>
+      </p:sp>
+      <p:pic>
+        <p:nvPicPr>
+          <p:cNvPr id="4" name="Picture 3"/>
+          <p:cNvPicPr>
+            <a:picLocks noChangeAspect="1"/>
+          </p:cNvPicPr>
+          <p:nvPr/>
+        </p:nvPicPr>
+        <p:blipFill>
+          <a:blip r:embed="rId2"/>
+          <a:stretch>
+            <a:fillRect/>
+          </a:stretch>
+        </p:blipFill>
+        <p:spPr>
+          <a:xfrm>
+            <a:off x="3950317" y="1262485"/>
+            <a:ext cx="5119843" cy="5200120"/>
+          </a:xfrm>
+          <a:prstGeom prst="rect">
+            <a:avLst/>
+          </a:prstGeom>
+        </p:spPr>
+      </p:pic>
+      <p:sp>
+        <p:nvSpPr>
+          <p:cNvPr id="5" name="TextBox 4"/>
+          <p:cNvSpPr txBox="1"/>
+          <p:nvPr/>
+        </p:nvSpPr>
+        <p:spPr>
+          <a:xfrm>
+            <a:off x="5240367" y="6581001"/>
+            <a:ext cx="3942105" cy="276999"/>
+          </a:xfrm>
+          <a:prstGeom prst="rect">
+            <a:avLst/>
+          </a:prstGeom>
+          <a:noFill/>
+        </p:spPr>
+        <p:txBody>
+          <a:bodyPr wrap="none" rtlCol="0">
+            <a:spAutoFit/>
+          </a:bodyPr>
+          <a:lstStyle/>
+          <a:p>
+            <a:r>
+              <a:rPr lang="en-US" sz="1200" dirty="0" smtClean="0">
+                <a:hlinkClick r:id="rId3"/>
+              </a:rPr>
+              <a:t>Guha &amp; </a:t>
+            </a:r>
+            <a:r>
+              <a:rPr lang="en-US" sz="1200" dirty="0" err="1" smtClean="0">
+                <a:hlinkClick r:id="rId3"/>
+              </a:rPr>
+              <a:t>Schurer</a:t>
+            </a:r>
+            <a:r>
+              <a:rPr lang="en-US" sz="1200" dirty="0" smtClean="0">
+                <a:hlinkClick r:id="rId3"/>
+              </a:rPr>
+              <a:t>, J. Comp. Aided. </a:t>
+            </a:r>
+            <a:r>
+              <a:rPr lang="en-US" sz="1200" dirty="0" err="1" smtClean="0">
+                <a:hlinkClick r:id="rId3"/>
+              </a:rPr>
+              <a:t>Molec</a:t>
+            </a:r>
+            <a:r>
+              <a:rPr lang="en-US" sz="1200" dirty="0" smtClean="0">
+                <a:hlinkClick r:id="rId3"/>
+              </a:rPr>
+              <a:t>. Des</a:t>
+            </a:r>
+            <a:r>
+              <a:rPr lang="en-US" sz="1200" b="1" dirty="0" smtClean="0">
+                <a:hlinkClick r:id="rId3"/>
+              </a:rPr>
+              <a:t>.</a:t>
+            </a:r>
+            <a:r>
+              <a:rPr lang="en-US" sz="1200" dirty="0" smtClean="0">
+                <a:hlinkClick r:id="rId3"/>
+              </a:rPr>
+              <a:t>, </a:t>
+            </a:r>
+            <a:r>
+              <a:rPr lang="en-US" sz="1200" b="1" dirty="0" smtClean="0">
+                <a:hlinkClick r:id="rId3"/>
+              </a:rPr>
+              <a:t>2008</a:t>
+            </a:r>
+            <a:r>
+              <a:rPr lang="en-US" sz="1200" dirty="0" smtClean="0">
+                <a:hlinkClick r:id="rId3"/>
+              </a:rPr>
+              <a:t>, </a:t>
+            </a:r>
+            <a:r>
+              <a:rPr lang="en-US" sz="1200" i="1" dirty="0" smtClean="0">
+                <a:hlinkClick r:id="rId3"/>
+              </a:rPr>
+              <a:t>22</a:t>
+            </a:r>
+            <a:r>
+              <a:rPr lang="en-US" sz="1200" dirty="0" smtClean="0">
+                <a:hlinkClick r:id="rId3"/>
+              </a:rPr>
+              <a:t>, 367</a:t>
+            </a:r>
+            <a:endParaRPr lang="en-US" sz="1200" dirty="0"/>
+          </a:p>
+        </p:txBody>
+      </p:sp>
+    </p:spTree>
+    <p:extLst>
+      <p:ext uri="{BB962C8B-B14F-4D97-AF65-F5344CB8AC3E}">
+        <p14:creationId xmlns:p14="http://schemas.microsoft.com/office/powerpoint/2010/main" val="1297957357"/>
+      </p:ext>
+    </p:extLst>
+  </p:cSld>
+  <p:clrMapOvr>
+    <a:masterClrMapping/>
+  </p:clrMapOvr>
+</p:sld>
+</file>
+
+<file path=ppt/slides/slide19.xml><?xml version="1.0" encoding="utf-8"?>
+<p:sld xmlns:a="http://schemas.openxmlformats.org/drawingml/2006/main" xmlns:r="http://schemas.openxmlformats.org/officeDocument/2006/relationships" xmlns:p="http://schemas.openxmlformats.org/presentationml/2006/main">
+  <p:cSld>
+    <p:spTree>
+      <p:nvGrpSpPr>
+        <p:cNvPr id="1" name=""/>
+        <p:cNvGrpSpPr/>
+        <p:nvPr/>
+      </p:nvGrpSpPr>
+      <p:grpSpPr>
+        <a:xfrm>
+          <a:off x="0" y="0"/>
+          <a:ext cx="0" cy="0"/>
+          <a:chOff x="0" y="0"/>
+          <a:chExt cx="0" cy="0"/>
+        </a:xfrm>
+      </p:grpSpPr>
+      <p:sp>
+        <p:nvSpPr>
+          <p:cNvPr id="2" name="Title 1"/>
+          <p:cNvSpPr>
+            <a:spLocks noGrp="1"/>
+          </p:cNvSpPr>
+          <p:nvPr>
+            <p:ph type="title"/>
+          </p:nvPr>
+        </p:nvSpPr>
+        <p:spPr/>
+        <p:txBody>
+          <a:bodyPr/>
+          <a:lstStyle/>
+          <a:p>
+            <a:r>
+              <a:rPr lang="en-US" dirty="0" smtClean="0"/>
+              <a:t>Benchmarking Retrieval</a:t>
+            </a:r>
+            <a:endParaRPr lang="en-US" dirty="0"/>
+          </a:p>
+        </p:txBody>
+      </p:sp>
+      <p:sp>
+        <p:nvSpPr>
+          <p:cNvPr id="3" name="Content Placeholder 2"/>
+          <p:cNvSpPr>
+            <a:spLocks noGrp="1"/>
+          </p:cNvSpPr>
+          <p:nvPr>
+            <p:ph idx="1"/>
+          </p:nvPr>
+        </p:nvSpPr>
+        <p:spPr/>
+        <p:txBody>
+          <a:bodyPr/>
+          <a:lstStyle/>
+          <a:p>
+            <a:endParaRPr lang="en-US"/>
+          </a:p>
+        </p:txBody>
+      </p:sp>
+    </p:spTree>
+    <p:extLst>
+      <p:ext uri="{BB962C8B-B14F-4D97-AF65-F5344CB8AC3E}">
+        <p14:creationId xmlns:p14="http://schemas.microsoft.com/office/powerpoint/2010/main" val="3546495064"/>
+      </p:ext>
+    </p:extLst>
+  </p:cSld>
+  <p:clrMapOvr>
+    <a:masterClrMapping/>
+  </p:clrMapOvr>
+</p:sld>
+</file>
+
+<file path=ppt/slides/slide2.xml><?xml version="1.0" encoding="utf-8"?>
+<p:sld xmlns:a="http://schemas.openxmlformats.org/drawingml/2006/main" xmlns:r="http://schemas.openxmlformats.org/officeDocument/2006/relationships" xmlns:p="http://schemas.openxmlformats.org/presentationml/2006/main">
+  <p:cSld>
+    <p:spTree>
+      <p:nvGrpSpPr>
+        <p:cNvPr id="1" name=""/>
+        <p:cNvGrpSpPr/>
+        <p:nvPr/>
+      </p:nvGrpSpPr>
+      <p:grpSpPr>
+        <a:xfrm>
+          <a:off x="0" y="0"/>
+          <a:ext cx="0" cy="0"/>
+          <a:chOff x="0" y="0"/>
+          <a:chExt cx="0" cy="0"/>
+        </a:xfrm>
+      </p:grpSpPr>
+      <p:sp>
+        <p:nvSpPr>
+          <p:cNvPr id="2" name="Title 1"/>
+          <p:cNvSpPr>
+            <a:spLocks noGrp="1"/>
+          </p:cNvSpPr>
+          <p:nvPr>
+            <p:ph type="title"/>
+          </p:nvPr>
+        </p:nvSpPr>
+        <p:spPr/>
+        <p:txBody>
+          <a:bodyPr/>
+          <a:lstStyle/>
+          <a:p>
+            <a:r>
+              <a:rPr lang="en-US" dirty="0" smtClean="0"/>
+              <a:t>High Throughput Screening</a:t>
+            </a:r>
+            <a:endParaRPr lang="en-US" dirty="0"/>
+          </a:p>
+        </p:txBody>
+      </p:sp>
+      <p:sp>
+        <p:nvSpPr>
+          <p:cNvPr id="3" name="Content Placeholder 2"/>
+          <p:cNvSpPr>
+            <a:spLocks noGrp="1"/>
+          </p:cNvSpPr>
+          <p:nvPr>
+            <p:ph idx="1"/>
+          </p:nvPr>
+        </p:nvSpPr>
+        <p:spPr>
+          <a:xfrm>
+            <a:off x="457200" y="1600200"/>
+            <a:ext cx="8229600" cy="4857912"/>
+          </a:xfrm>
+        </p:spPr>
+        <p:txBody>
+          <a:bodyPr>
+            <a:normAutofit/>
+          </a:bodyPr>
+          <a:lstStyle/>
+          <a:p>
+            <a:r>
+              <a:rPr lang="en-US" dirty="0" smtClean="0"/>
+              <a:t>Test thousands to hundreds of thousands of compounds in one or more assays</a:t>
+            </a:r>
+          </a:p>
+          <a:p>
+            <a:pPr lvl="1"/>
+            <a:r>
+              <a:rPr lang="en-US" dirty="0"/>
+              <a:t>Biochemical, genetic, </a:t>
+            </a:r>
+            <a:br>
+              <a:rPr lang="en-US" dirty="0"/>
+            </a:br>
+            <a:r>
+              <a:rPr lang="en-US" dirty="0" smtClean="0"/>
+              <a:t>pharmacological assays</a:t>
+            </a:r>
+          </a:p>
+          <a:p>
+            <a:r>
+              <a:rPr lang="en-US" dirty="0" smtClean="0"/>
+              <a:t>Employs a robotic platform</a:t>
+            </a:r>
+          </a:p>
+          <a:p>
+            <a:r>
+              <a:rPr lang="en-US" dirty="0" smtClean="0"/>
+              <a:t>Rapidly </a:t>
+            </a:r>
+            <a:r>
+              <a:rPr lang="en-US" dirty="0"/>
+              <a:t>identify novel </a:t>
+            </a:r>
+            <a:r>
+              <a:rPr lang="en-US" dirty="0" smtClean="0"/>
+              <a:t/>
+            </a:r>
+            <a:br>
+              <a:rPr lang="en-US" dirty="0" smtClean="0"/>
+            </a:br>
+            <a:r>
+              <a:rPr lang="en-US" dirty="0" smtClean="0"/>
+              <a:t>modulators </a:t>
+            </a:r>
+            <a:r>
+              <a:rPr lang="en-US" dirty="0"/>
+              <a:t>of biological systems</a:t>
+            </a:r>
+          </a:p>
+          <a:p>
+            <a:endParaRPr lang="en-US" dirty="0" smtClean="0"/>
+          </a:p>
+          <a:p>
+            <a:pPr marL="457200" lvl="1" indent="0">
+              <a:buNone/>
+            </a:pPr>
+            <a:endParaRPr lang="en-US" dirty="0"/>
+          </a:p>
+        </p:txBody>
+      </p:sp>
+      <p:pic>
+        <p:nvPicPr>
+          <p:cNvPr id="4" name="Picture 3"/>
+          <p:cNvPicPr>
+            <a:picLocks noChangeAspect="1"/>
+          </p:cNvPicPr>
+          <p:nvPr/>
+        </p:nvPicPr>
+        <p:blipFill>
+          <a:blip r:embed="rId2"/>
+          <a:stretch>
+            <a:fillRect/>
+          </a:stretch>
+        </p:blipFill>
+        <p:spPr>
+          <a:xfrm>
+            <a:off x="6465531" y="2963235"/>
+            <a:ext cx="2501900" cy="3759200"/>
+          </a:xfrm>
+          <a:prstGeom prst="rect">
+            <a:avLst/>
+          </a:prstGeom>
+        </p:spPr>
+      </p:pic>
+    </p:spTree>
+    <p:extLst>
+      <p:ext uri="{BB962C8B-B14F-4D97-AF65-F5344CB8AC3E}">
+        <p14:creationId xmlns:p14="http://schemas.microsoft.com/office/powerpoint/2010/main" val="711535227"/>
+      </p:ext>
+    </p:extLst>
+  </p:cSld>
+  <p:clrMapOvr>
+    <a:masterClrMapping/>
+  </p:clrMapOvr>
+</p:sld>
+</file>
+
+<file path=ppt/slides/slide3.xml><?xml version="1.0" encoding="utf-8"?>
+<p:sld xmlns:a="http://schemas.openxmlformats.org/drawingml/2006/main" xmlns:r="http://schemas.openxmlformats.org/officeDocument/2006/relationships" xmlns:p="http://schemas.openxmlformats.org/presentationml/2006/main">
+  <p:cSld>
+    <p:spTree>
+      <p:nvGrpSpPr>
+        <p:cNvPr id="1" name=""/>
+        <p:cNvGrpSpPr/>
+        <p:nvPr/>
+      </p:nvGrpSpPr>
+      <p:grpSpPr>
+        <a:xfrm>
+          <a:off x="0" y="0"/>
+          <a:ext cx="0" cy="0"/>
+          <a:chOff x="0" y="0"/>
+          <a:chExt cx="0" cy="0"/>
+        </a:xfrm>
+      </p:grpSpPr>
+      <p:sp>
+        <p:nvSpPr>
+          <p:cNvPr id="2" name="Title 1"/>
+          <p:cNvSpPr>
+            <a:spLocks noGrp="1"/>
+          </p:cNvSpPr>
+          <p:nvPr>
+            <p:ph type="title"/>
+          </p:nvPr>
+        </p:nvSpPr>
+        <p:spPr/>
+        <p:txBody>
+          <a:bodyPr/>
+          <a:lstStyle/>
+          <a:p>
+            <a:r>
+              <a:rPr lang="en-US" dirty="0" smtClean="0"/>
+              <a:t>Goal of HTS</a:t>
+            </a:r>
+            <a:endParaRPr lang="en-US" dirty="0"/>
+          </a:p>
+        </p:txBody>
+      </p:sp>
+      <p:sp>
+        <p:nvSpPr>
+          <p:cNvPr id="3" name="Content Placeholder 2"/>
+          <p:cNvSpPr>
+            <a:spLocks noGrp="1"/>
+          </p:cNvSpPr>
+          <p:nvPr>
+            <p:ph idx="1"/>
+          </p:nvPr>
+        </p:nvSpPr>
+        <p:spPr>
+          <a:xfrm>
+            <a:off x="299509" y="1600200"/>
+            <a:ext cx="6253691" cy="4989710"/>
+          </a:xfrm>
+        </p:spPr>
+        <p:txBody>
+          <a:bodyPr>
+            <a:normAutofit/>
+          </a:bodyPr>
+          <a:lstStyle/>
+          <a:p>
+            <a:r>
+              <a:rPr lang="en-US" dirty="0" smtClean="0"/>
+              <a:t>Rapidly screen large compound collections</a:t>
+            </a:r>
+          </a:p>
+          <a:p>
+            <a:r>
+              <a:rPr lang="en-US" dirty="0"/>
+              <a:t>E</a:t>
+            </a:r>
+            <a:r>
+              <a:rPr lang="en-US" dirty="0" smtClean="0"/>
+              <a:t>fficiently identify real actives </a:t>
+            </a:r>
+          </a:p>
+          <a:p>
+            <a:pPr lvl="1"/>
+            <a:r>
+              <a:rPr lang="en-US" dirty="0"/>
+              <a:t>T</a:t>
+            </a:r>
+            <a:r>
+              <a:rPr lang="en-US" dirty="0" smtClean="0"/>
+              <a:t>est them in slower, accurate, expensive screens</a:t>
+            </a:r>
+          </a:p>
+          <a:p>
+            <a:r>
+              <a:rPr lang="en-US" dirty="0" smtClean="0"/>
+              <a:t>Use the data to learn what types of compounds tend to be active</a:t>
+            </a:r>
+          </a:p>
+          <a:p>
+            <a:r>
+              <a:rPr lang="en-US" dirty="0" smtClean="0"/>
+              <a:t>Use the model to suggest more compounds to screen</a:t>
+            </a:r>
+          </a:p>
+        </p:txBody>
+      </p:sp>
+      <p:pic>
+        <p:nvPicPr>
+          <p:cNvPr id="4" name="Picture 3" descr="filter.pdf"/>
+          <p:cNvPicPr>
+            <a:picLocks noChangeAspect="1"/>
+          </p:cNvPicPr>
+          <p:nvPr/>
+        </p:nvPicPr>
+        <p:blipFill>
+          <a:blip r:embed="rId2"/>
+          <a:stretch>
+            <a:fillRect/>
+          </a:stretch>
+        </p:blipFill>
+        <p:spPr>
+          <a:xfrm>
+            <a:off x="6553200" y="1981200"/>
+            <a:ext cx="2438400" cy="3929575"/>
+          </a:xfrm>
+          <a:prstGeom prst="rect">
+            <a:avLst/>
+          </a:prstGeom>
+        </p:spPr>
+      </p:pic>
+    </p:spTree>
+    <p:extLst>
+      <p:ext uri="{BB962C8B-B14F-4D97-AF65-F5344CB8AC3E}">
+        <p14:creationId xmlns:p14="http://schemas.microsoft.com/office/powerpoint/2010/main" val="4004467978"/>
+      </p:ext>
+    </p:extLst>
+  </p:cSld>
+  <p:clrMapOvr>
+    <a:masterClrMapping/>
+  </p:clrMapOvr>
+</p:sld>
+</file>
+
+<file path=ppt/slides/slide4.xml><?xml version="1.0" encoding="utf-8"?>
+<p:sld xmlns:a="http://schemas.openxmlformats.org/drawingml/2006/main" xmlns:r="http://schemas.openxmlformats.org/officeDocument/2006/relationships" xmlns:p="http://schemas.openxmlformats.org/presentationml/2006/main">
+  <p:cSld>
+    <p:spTree>
+      <p:nvGrpSpPr>
+        <p:cNvPr id="1" name=""/>
+        <p:cNvGrpSpPr/>
+        <p:nvPr/>
+      </p:nvGrpSpPr>
+      <p:grpSpPr>
+        <a:xfrm>
+          <a:off x="0" y="0"/>
+          <a:ext cx="0" cy="0"/>
+          <a:chOff x="0" y="0"/>
+          <a:chExt cx="0" cy="0"/>
+        </a:xfrm>
+      </p:grpSpPr>
+      <p:sp>
+        <p:nvSpPr>
+          <p:cNvPr id="9" name="Title 8"/>
+          <p:cNvSpPr>
+            <a:spLocks noGrp="1"/>
+          </p:cNvSpPr>
+          <p:nvPr>
+            <p:ph type="title"/>
+          </p:nvPr>
+        </p:nvSpPr>
+        <p:spPr/>
+        <p:txBody>
+          <a:bodyPr/>
+          <a:lstStyle/>
+          <a:p>
+            <a:r>
+              <a:rPr lang="en-US" dirty="0" smtClean="0"/>
+              <a:t>HTS Data Types</a:t>
+            </a:r>
+            <a:endParaRPr lang="en-US" dirty="0"/>
+          </a:p>
+        </p:txBody>
+      </p:sp>
+      <p:sp>
+        <p:nvSpPr>
+          <p:cNvPr id="10" name="Content Placeholder 9"/>
+          <p:cNvSpPr>
+            <a:spLocks noGrp="1"/>
+          </p:cNvSpPr>
+          <p:nvPr>
+            <p:ph idx="1"/>
+          </p:nvPr>
+        </p:nvSpPr>
+        <p:spPr>
+          <a:xfrm>
+            <a:off x="295912" y="1600200"/>
+            <a:ext cx="8593788" cy="5020467"/>
+          </a:xfrm>
+        </p:spPr>
+        <p:txBody>
+          <a:bodyPr>
+            <a:normAutofit lnSpcReduction="10000"/>
+          </a:bodyPr>
+          <a:lstStyle/>
+          <a:p>
+            <a:r>
+              <a:rPr lang="en-US" dirty="0" smtClean="0"/>
+              <a:t>Categorical – active/inactive or toxic/nontoxic</a:t>
+            </a:r>
+          </a:p>
+          <a:p>
+            <a:r>
+              <a:rPr lang="en-US" dirty="0" smtClean="0"/>
+              <a:t>Continuous</a:t>
+            </a:r>
+          </a:p>
+          <a:p>
+            <a:pPr lvl="1"/>
+            <a:r>
+              <a:rPr lang="en-US" dirty="0" smtClean="0"/>
+              <a:t>Single point</a:t>
+            </a:r>
+          </a:p>
+          <a:p>
+            <a:pPr lvl="1"/>
+            <a:r>
+              <a:rPr lang="en-US" dirty="0" smtClean="0"/>
+              <a:t>Dose response</a:t>
+            </a:r>
+            <a:br>
+              <a:rPr lang="en-US" dirty="0" smtClean="0"/>
+            </a:br>
+            <a:endParaRPr lang="en-US" dirty="0" smtClean="0"/>
+          </a:p>
+          <a:p>
+            <a:r>
+              <a:rPr lang="en-US" dirty="0" smtClean="0"/>
+              <a:t>Multiple readouts</a:t>
+            </a:r>
+          </a:p>
+          <a:p>
+            <a:pPr lvl="1"/>
+            <a:r>
+              <a:rPr lang="en-US" dirty="0" smtClean="0"/>
+              <a:t>Might read at different wavelengths or </a:t>
+            </a:r>
+            <a:r>
+              <a:rPr lang="en-US" dirty="0" err="1" smtClean="0"/>
+              <a:t>timepoints</a:t>
+            </a:r>
+            <a:endParaRPr lang="en-US" dirty="0" smtClean="0"/>
+          </a:p>
+          <a:p>
+            <a:pPr lvl="1"/>
+            <a:r>
+              <a:rPr lang="en-US" dirty="0" smtClean="0"/>
+              <a:t>More complex when dealing with imaging</a:t>
+            </a:r>
+          </a:p>
+          <a:p>
+            <a:r>
+              <a:rPr lang="en-US" dirty="0" smtClean="0"/>
+              <a:t>These (usually) represent the independent variable</a:t>
+            </a:r>
+            <a:endParaRPr lang="en-US" dirty="0"/>
+          </a:p>
+        </p:txBody>
+      </p:sp>
+      <p:pic>
+        <p:nvPicPr>
+          <p:cNvPr id="3" name="Picture 2"/>
+          <p:cNvPicPr>
+            <a:picLocks noChangeAspect="1"/>
+          </p:cNvPicPr>
+          <p:nvPr/>
+        </p:nvPicPr>
+        <p:blipFill>
+          <a:blip r:embed="rId2"/>
+          <a:stretch>
+            <a:fillRect/>
+          </a:stretch>
+        </p:blipFill>
+        <p:spPr>
+          <a:xfrm>
+            <a:off x="6072960" y="2353865"/>
+            <a:ext cx="2427207" cy="2118446"/>
+          </a:xfrm>
+          <a:prstGeom prst="rect">
+            <a:avLst/>
+          </a:prstGeom>
+        </p:spPr>
+      </p:pic>
+      <p:pic>
+        <p:nvPicPr>
+          <p:cNvPr id="4" name="Picture 3"/>
+          <p:cNvPicPr>
+            <a:picLocks noChangeAspect="1"/>
+          </p:cNvPicPr>
+          <p:nvPr/>
+        </p:nvPicPr>
+        <p:blipFill>
+          <a:blip r:embed="rId3"/>
+          <a:stretch>
+            <a:fillRect/>
+          </a:stretch>
+        </p:blipFill>
+        <p:spPr>
+          <a:xfrm>
+            <a:off x="3645752" y="2353866"/>
+            <a:ext cx="2427208" cy="2118446"/>
+          </a:xfrm>
+          <a:prstGeom prst="rect">
+            <a:avLst/>
+          </a:prstGeom>
+        </p:spPr>
+      </p:pic>
+    </p:spTree>
+    <p:extLst>
+      <p:ext uri="{BB962C8B-B14F-4D97-AF65-F5344CB8AC3E}">
+        <p14:creationId xmlns:p14="http://schemas.microsoft.com/office/powerpoint/2010/main" val="2233961507"/>
+      </p:ext>
+    </p:extLst>
+  </p:cSld>
+  <p:clrMapOvr>
+    <a:masterClrMapping/>
+  </p:clrMapOvr>
+</p:sld>
+</file>
+
+<file path=ppt/slides/slide5.xml><?xml version="1.0" encoding="utf-8"?>
+<p:sld xmlns:a="http://schemas.openxmlformats.org/drawingml/2006/main" xmlns:r="http://schemas.openxmlformats.org/officeDocument/2006/relationships" xmlns:p="http://schemas.openxmlformats.org/presentationml/2006/main">
+  <p:cSld>
+    <p:spTree>
+      <p:nvGrpSpPr>
+        <p:cNvPr id="1" name=""/>
+        <p:cNvGrpSpPr/>
+        <p:nvPr/>
+      </p:nvGrpSpPr>
+      <p:grpSpPr>
+        <a:xfrm>
+          <a:off x="0" y="0"/>
+          <a:ext cx="0" cy="0"/>
+          <a:chOff x="0" y="0"/>
+          <a:chExt cx="0" cy="0"/>
+        </a:xfrm>
+      </p:grpSpPr>
+      <p:sp>
+        <p:nvSpPr>
+          <p:cNvPr id="2" name="Title 1"/>
+          <p:cNvSpPr>
+            <a:spLocks noGrp="1"/>
+          </p:cNvSpPr>
+          <p:nvPr>
+            <p:ph type="title"/>
+          </p:nvPr>
+        </p:nvSpPr>
+        <p:spPr/>
+        <p:txBody>
+          <a:bodyPr/>
+          <a:lstStyle/>
+          <a:p>
+            <a:r>
+              <a:rPr lang="en-US" dirty="0" smtClean="0"/>
+              <a:t>Independent Variable(s)</a:t>
+            </a:r>
+            <a:endParaRPr lang="en-US" dirty="0"/>
+          </a:p>
+        </p:txBody>
+      </p:sp>
+      <p:sp>
+        <p:nvSpPr>
+          <p:cNvPr id="3" name="Content Placeholder 2"/>
+          <p:cNvSpPr>
+            <a:spLocks noGrp="1"/>
+          </p:cNvSpPr>
+          <p:nvPr>
+            <p:ph idx="1"/>
+          </p:nvPr>
+        </p:nvSpPr>
+        <p:spPr>
+          <a:xfrm>
+            <a:off x="457200" y="1600200"/>
+            <a:ext cx="8229600" cy="4835532"/>
+          </a:xfrm>
+        </p:spPr>
+        <p:txBody>
+          <a:bodyPr>
+            <a:normAutofit/>
+          </a:bodyPr>
+          <a:lstStyle/>
+          <a:p>
+            <a:r>
+              <a:rPr lang="en-US" dirty="0" smtClean="0"/>
+              <a:t>HTS is testing activity of a molecule – the molecule is our “independent variable”</a:t>
+            </a:r>
+            <a:br>
+              <a:rPr lang="en-US" dirty="0" smtClean="0"/>
+            </a:br>
+            <a:r>
+              <a:rPr lang="en-US" dirty="0" smtClean="0"/>
+              <a:t/>
+            </a:r>
+            <a:br>
+              <a:rPr lang="en-US" dirty="0" smtClean="0"/>
+            </a:br>
+            <a:endParaRPr lang="en-US" dirty="0" smtClean="0"/>
+          </a:p>
+          <a:p>
+            <a:r>
+              <a:rPr lang="en-US" dirty="0" smtClean="0"/>
+              <a:t>Need to describe the molecular structure</a:t>
+            </a:r>
+          </a:p>
+          <a:p>
+            <a:pPr lvl="1"/>
+            <a:r>
+              <a:rPr lang="en-US" dirty="0" smtClean="0"/>
+              <a:t>Various discrete or real-valued descriptors </a:t>
+            </a:r>
+          </a:p>
+          <a:p>
+            <a:pPr lvl="1"/>
+            <a:r>
+              <a:rPr lang="en-US" dirty="0" smtClean="0"/>
+              <a:t>Surfaces (3D)</a:t>
+            </a:r>
+          </a:p>
+          <a:p>
+            <a:pPr lvl="1"/>
+            <a:r>
+              <a:rPr lang="en-US" dirty="0" smtClean="0"/>
+              <a:t>Binary fingerprints</a:t>
+            </a:r>
+            <a:br>
+              <a:rPr lang="en-US" dirty="0" smtClean="0"/>
+            </a:br>
+            <a:endParaRPr lang="en-US" dirty="0" smtClean="0"/>
+          </a:p>
+        </p:txBody>
+      </p:sp>
+      <p:graphicFrame>
+        <p:nvGraphicFramePr>
+          <p:cNvPr id="4" name="Object 3"/>
+          <p:cNvGraphicFramePr>
+            <a:graphicFrameLocks noChangeAspect="1"/>
+          </p:cNvGraphicFramePr>
+          <p:nvPr>
+            <p:extLst>
+              <p:ext uri="{D42A27DB-BD31-4B8C-83A1-F6EECF244321}">
+                <p14:modId xmlns:p14="http://schemas.microsoft.com/office/powerpoint/2010/main" val="383578082"/>
+              </p:ext>
+            </p:extLst>
+          </p:nvPr>
+        </p:nvGraphicFramePr>
+        <p:xfrm>
+          <a:off x="2183338" y="2811009"/>
+          <a:ext cx="4579794" cy="763299"/>
+        </p:xfrm>
+        <a:graphic>
+          <a:graphicData uri="http://schemas.openxmlformats.org/presentationml/2006/ole">
+            <mc:AlternateContent xmlns:mc="http://schemas.openxmlformats.org/markup-compatibility/2006">
+              <mc:Choice xmlns:v="urn:schemas-microsoft-com:vml" Requires="v">
+                <p:oleObj spid="_x0000_s1077" name="Equation" r:id="rId3" imgW="1447800" imgH="241300" progId="Equation.3">
+                  <p:embed/>
+                </p:oleObj>
+              </mc:Choice>
+              <mc:Fallback>
+                <p:oleObj name="Equation" r:id="rId3" imgW="1447800" imgH="241300" progId="Equation.3">
+                  <p:embed/>
+                  <p:pic>
+                    <p:nvPicPr>
+                      <p:cNvPr id="0" name=""/>
+                      <p:cNvPicPr/>
+                      <p:nvPr/>
+                    </p:nvPicPr>
+                    <p:blipFill>
+                      <a:blip r:embed="rId4"/>
+                      <a:stretch>
+                        <a:fillRect/>
+                      </a:stretch>
+                    </p:blipFill>
+                    <p:spPr>
+                      <a:xfrm>
+                        <a:off x="2183338" y="2811009"/>
+                        <a:ext cx="4579794" cy="763299"/>
+                      </a:xfrm>
+                      <a:prstGeom prst="rect">
+                        <a:avLst/>
+                      </a:prstGeom>
+                    </p:spPr>
+                  </p:pic>
+                </p:oleObj>
+              </mc:Fallback>
+            </mc:AlternateContent>
+          </a:graphicData>
+        </a:graphic>
+      </p:graphicFrame>
+    </p:spTree>
+    <p:extLst>
+      <p:ext uri="{BB962C8B-B14F-4D97-AF65-F5344CB8AC3E}">
+        <p14:creationId xmlns:p14="http://schemas.microsoft.com/office/powerpoint/2010/main" val="3801295497"/>
+      </p:ext>
+    </p:extLst>
+  </p:cSld>
+  <p:clrMapOvr>
+    <a:masterClrMapping/>
+  </p:clrMapOvr>
+</p:sld>
+</file>
+
+<file path=ppt/slides/slide6.xml><?xml version="1.0" encoding="utf-8"?>
+<p:sld xmlns:a="http://schemas.openxmlformats.org/drawingml/2006/main" xmlns:r="http://schemas.openxmlformats.org/officeDocument/2006/relationships" xmlns:p="http://schemas.openxmlformats.org/presentationml/2006/main">
+  <p:cSld>
+    <p:spTree>
+      <p:nvGrpSpPr>
+        <p:cNvPr id="1" name=""/>
+        <p:cNvGrpSpPr/>
+        <p:nvPr/>
+      </p:nvGrpSpPr>
+      <p:grpSpPr>
+        <a:xfrm>
+          <a:off x="0" y="0"/>
+          <a:ext cx="0" cy="0"/>
+          <a:chOff x="0" y="0"/>
+          <a:chExt cx="0" cy="0"/>
+        </a:xfrm>
+      </p:grpSpPr>
+      <p:sp>
+        <p:nvSpPr>
+          <p:cNvPr id="2" name="Title 1"/>
+          <p:cNvSpPr>
+            <a:spLocks noGrp="1"/>
+          </p:cNvSpPr>
+          <p:nvPr>
+            <p:ph type="title"/>
+          </p:nvPr>
+        </p:nvSpPr>
+        <p:spPr/>
+        <p:txBody>
+          <a:bodyPr/>
+          <a:lstStyle/>
+          <a:p>
+            <a:r>
+              <a:rPr lang="en-US" dirty="0" smtClean="0"/>
+              <a:t>Fingerprint Representation</a:t>
+            </a:r>
+            <a:endParaRPr lang="en-US" dirty="0"/>
+          </a:p>
+        </p:txBody>
+      </p:sp>
+      <p:sp>
+        <p:nvSpPr>
+          <p:cNvPr id="4" name="Content Placeholder 2"/>
+          <p:cNvSpPr>
+            <a:spLocks noGrp="1"/>
+          </p:cNvSpPr>
+          <p:nvPr>
+            <p:ph idx="1"/>
+          </p:nvPr>
+        </p:nvSpPr>
+        <p:spPr>
+          <a:xfrm>
+            <a:off x="457200" y="3886200"/>
+            <a:ext cx="8229600" cy="2971800"/>
+          </a:xfrm>
+        </p:spPr>
+        <p:txBody>
+          <a:bodyPr>
+            <a:normAutofit fontScale="92500" lnSpcReduction="10000"/>
+          </a:bodyPr>
+          <a:lstStyle/>
+          <a:p>
+            <a:r>
+              <a:rPr lang="en-US" dirty="0"/>
+              <a:t>Lots of types of </a:t>
+            </a:r>
+            <a:r>
+              <a:rPr lang="en-US" dirty="0" err="1"/>
+              <a:t>ﬁngerprints</a:t>
+            </a:r>
+            <a:r>
+              <a:rPr lang="en-US" dirty="0" smtClean="0"/>
+              <a:t> </a:t>
+            </a:r>
+          </a:p>
+          <a:p>
+            <a:r>
+              <a:rPr lang="en-US" dirty="0" smtClean="0"/>
+              <a:t>Indicates </a:t>
+            </a:r>
+            <a:r>
+              <a:rPr lang="en-US" dirty="0"/>
+              <a:t>the presence or absence of a structural </a:t>
+            </a:r>
+            <a:r>
+              <a:rPr lang="en-US" dirty="0" smtClean="0"/>
+              <a:t>feature </a:t>
+            </a:r>
+          </a:p>
+          <a:p>
+            <a:r>
+              <a:rPr lang="en-US" dirty="0" smtClean="0"/>
+              <a:t>Length </a:t>
+            </a:r>
+            <a:r>
+              <a:rPr lang="en-US" dirty="0"/>
+              <a:t>can vary from 166 to 4096 bits or more</a:t>
+            </a:r>
+            <a:r>
+              <a:rPr lang="en-US" dirty="0" smtClean="0"/>
+              <a:t> </a:t>
+            </a:r>
+          </a:p>
+          <a:p>
+            <a:r>
+              <a:rPr lang="en-US" dirty="0" smtClean="0"/>
+              <a:t>Fingerprints </a:t>
+            </a:r>
+            <a:r>
+              <a:rPr lang="en-US" dirty="0"/>
+              <a:t>usually compared using the Tanimoto metric</a:t>
+            </a:r>
+          </a:p>
+        </p:txBody>
+      </p:sp>
+      <p:pic>
+        <p:nvPicPr>
+          <p:cNvPr id="5" name="Picture 4" descr="fp.pdf"/>
+          <p:cNvPicPr>
+            <a:picLocks noChangeAspect="1"/>
+          </p:cNvPicPr>
+          <p:nvPr/>
+        </p:nvPicPr>
+        <p:blipFill>
+          <a:blip r:embed="rId2"/>
+          <a:stretch>
+            <a:fillRect/>
+          </a:stretch>
+        </p:blipFill>
+        <p:spPr>
+          <a:xfrm>
+            <a:off x="2527300" y="1448059"/>
+            <a:ext cx="4330700" cy="2209541"/>
+          </a:xfrm>
+          <a:prstGeom prst="rect">
+            <a:avLst/>
+          </a:prstGeom>
+        </p:spPr>
+      </p:pic>
+    </p:spTree>
+    <p:extLst>
+      <p:ext uri="{BB962C8B-B14F-4D97-AF65-F5344CB8AC3E}">
+        <p14:creationId xmlns:p14="http://schemas.microsoft.com/office/powerpoint/2010/main" val="1675594804"/>
+      </p:ext>
+    </p:extLst>
+  </p:cSld>
+  <p:clrMapOvr>
+    <a:masterClrMapping/>
+  </p:clrMapOvr>
+</p:sld>
+</file>
+
+<file path=ppt/slides/slide7.xml><?xml version="1.0" encoding="utf-8"?>
+<p:sld xmlns:a="http://schemas.openxmlformats.org/drawingml/2006/main" xmlns:r="http://schemas.openxmlformats.org/officeDocument/2006/relationships" xmlns:p="http://schemas.openxmlformats.org/presentationml/2006/main">
+  <p:cSld>
+    <p:spTree>
+      <p:nvGrpSpPr>
+        <p:cNvPr id="1" name=""/>
+        <p:cNvGrpSpPr/>
+        <p:nvPr/>
+      </p:nvGrpSpPr>
+      <p:grpSpPr>
+        <a:xfrm>
+          <a:off x="0" y="0"/>
+          <a:ext cx="0" cy="0"/>
+          <a:chOff x="0" y="0"/>
+          <a:chExt cx="0" cy="0"/>
+        </a:xfrm>
+      </p:grpSpPr>
+      <p:sp>
+        <p:nvSpPr>
+          <p:cNvPr id="2" name="Title 1"/>
+          <p:cNvSpPr>
+            <a:spLocks noGrp="1"/>
+          </p:cNvSpPr>
+          <p:nvPr>
+            <p:ph type="title"/>
+          </p:nvPr>
+        </p:nvSpPr>
+        <p:spPr/>
+        <p:txBody>
+          <a:bodyPr/>
+          <a:lstStyle/>
+          <a:p>
+            <a:r>
+              <a:rPr lang="en-US" dirty="0" smtClean="0"/>
+              <a:t>Fingerprints in R</a:t>
+            </a:r>
+            <a:endParaRPr lang="en-US" dirty="0"/>
+          </a:p>
+        </p:txBody>
+      </p:sp>
+      <p:sp>
+        <p:nvSpPr>
+          <p:cNvPr id="3" name="Content Placeholder 2"/>
+          <p:cNvSpPr>
+            <a:spLocks noGrp="1"/>
+          </p:cNvSpPr>
+          <p:nvPr>
+            <p:ph idx="1"/>
+          </p:nvPr>
+        </p:nvSpPr>
+        <p:spPr>
+          <a:xfrm>
+            <a:off x="457200" y="1600200"/>
+            <a:ext cx="8229600" cy="5069783"/>
+          </a:xfrm>
+        </p:spPr>
+        <p:txBody>
+          <a:bodyPr>
+            <a:normAutofit/>
+          </a:bodyPr>
+          <a:lstStyle/>
+          <a:p>
+            <a:r>
+              <a:rPr lang="en-US" dirty="0" smtClean="0"/>
+              <a:t>The </a:t>
+            </a:r>
+            <a:r>
+              <a:rPr lang="en-US" dirty="0" smtClean="0">
+                <a:hlinkClick r:id="rId2"/>
+              </a:rPr>
+              <a:t>fingerprint</a:t>
+            </a:r>
+            <a:r>
+              <a:rPr lang="en-US" dirty="0" smtClean="0"/>
+              <a:t> package supports I/O, manipulation, similarity methods, and various utility methods</a:t>
+            </a:r>
+          </a:p>
+          <a:p>
+            <a:r>
+              <a:rPr lang="en-US" dirty="0" smtClean="0"/>
+              <a:t>A fingerprint is a S4 object</a:t>
+            </a:r>
+          </a:p>
+          <a:p>
+            <a:pPr lvl="1"/>
+            <a:r>
+              <a:rPr lang="en-US" dirty="0" smtClean="0"/>
+              <a:t>Create them manually</a:t>
+            </a:r>
+            <a:br>
+              <a:rPr lang="en-US" dirty="0" smtClean="0"/>
+            </a:br>
+            <a:r>
+              <a:rPr lang="en-US" dirty="0" smtClean="0"/>
+              <a:t/>
+            </a:r>
+            <a:br>
+              <a:rPr lang="en-US" dirty="0" smtClean="0"/>
+            </a:br>
+            <a:endParaRPr lang="en-US" dirty="0" smtClean="0"/>
+          </a:p>
+          <a:p>
+            <a:pPr lvl="1"/>
+            <a:r>
+              <a:rPr lang="en-US" dirty="0" smtClean="0"/>
+              <a:t>Read them in from files</a:t>
+            </a:r>
+          </a:p>
+        </p:txBody>
+      </p:sp>
+      <p:sp>
+        <p:nvSpPr>
+          <p:cNvPr id="4" name="Rectangle 3"/>
+          <p:cNvSpPr/>
+          <p:nvPr/>
+        </p:nvSpPr>
+        <p:spPr>
+          <a:xfrm>
+            <a:off x="555840" y="4453309"/>
+            <a:ext cx="8186909" cy="369332"/>
+          </a:xfrm>
+          <a:prstGeom prst="rect">
+            <a:avLst/>
+          </a:prstGeom>
+          <a:solidFill>
+            <a:schemeClr val="tx1"/>
+          </a:solidFill>
+        </p:spPr>
+        <p:txBody>
+          <a:bodyPr wrap="square">
+            <a:spAutoFit/>
+          </a:bodyPr>
+          <a:lstStyle/>
+          <a:p>
+            <a:r>
+              <a:rPr lang="en-US" dirty="0">
+                <a:solidFill>
+                  <a:schemeClr val="bg1"/>
+                </a:solidFill>
+                <a:latin typeface="Courier New"/>
+              </a:rPr>
+              <a:t>new("fingerprint", </a:t>
+            </a:r>
+            <a:r>
+              <a:rPr lang="en-US" dirty="0" err="1">
+                <a:solidFill>
+                  <a:schemeClr val="bg1"/>
+                </a:solidFill>
+                <a:latin typeface="Courier New"/>
+              </a:rPr>
+              <a:t>nbit</a:t>
+            </a:r>
+            <a:r>
+              <a:rPr lang="en-US" dirty="0">
+                <a:solidFill>
+                  <a:schemeClr val="bg1"/>
+                </a:solidFill>
+                <a:latin typeface="Courier New"/>
+              </a:rPr>
+              <a:t> = </a:t>
+            </a:r>
+            <a:r>
+              <a:rPr lang="en-US" dirty="0" smtClean="0">
+                <a:solidFill>
+                  <a:schemeClr val="bg1"/>
+                </a:solidFill>
+                <a:latin typeface="Courier New"/>
+              </a:rPr>
+              <a:t>1024, </a:t>
+            </a:r>
+            <a:r>
+              <a:rPr lang="en-US" dirty="0">
+                <a:solidFill>
+                  <a:schemeClr val="bg1"/>
+                </a:solidFill>
+                <a:latin typeface="Courier New"/>
+              </a:rPr>
+              <a:t>bits = </a:t>
+            </a:r>
+            <a:r>
+              <a:rPr lang="en-US" dirty="0" smtClean="0">
+                <a:solidFill>
+                  <a:schemeClr val="bg1"/>
+                </a:solidFill>
+                <a:latin typeface="Courier New"/>
+              </a:rPr>
+              <a:t>c(1,4,5,100,200))</a:t>
+            </a:r>
+            <a:endParaRPr lang="en-US" dirty="0">
+              <a:solidFill>
+                <a:schemeClr val="bg1"/>
+              </a:solidFill>
+              <a:latin typeface="Courier New"/>
+            </a:endParaRPr>
+          </a:p>
+        </p:txBody>
+      </p:sp>
+      <p:sp>
+        <p:nvSpPr>
+          <p:cNvPr id="6" name="Rectangle 5"/>
+          <p:cNvSpPr/>
+          <p:nvPr/>
+        </p:nvSpPr>
+        <p:spPr>
+          <a:xfrm>
+            <a:off x="555840" y="5906712"/>
+            <a:ext cx="8186909" cy="369332"/>
+          </a:xfrm>
+          <a:prstGeom prst="rect">
+            <a:avLst/>
+          </a:prstGeom>
+          <a:solidFill>
+            <a:schemeClr val="tx1"/>
+          </a:solidFill>
+        </p:spPr>
+        <p:txBody>
+          <a:bodyPr wrap="square">
+            <a:spAutoFit/>
+          </a:bodyPr>
+          <a:lstStyle/>
+          <a:p>
+            <a:r>
+              <a:rPr lang="en-US" dirty="0" err="1" smtClean="0">
+                <a:solidFill>
+                  <a:schemeClr val="bg1"/>
+                </a:solidFill>
+                <a:latin typeface="Courier New"/>
+              </a:rPr>
+              <a:t>fp.read</a:t>
+            </a:r>
+            <a:r>
+              <a:rPr lang="en-US" dirty="0">
+                <a:solidFill>
+                  <a:schemeClr val="bg1"/>
+                </a:solidFill>
+                <a:latin typeface="Courier New"/>
+              </a:rPr>
+              <a:t>('data/</a:t>
+            </a:r>
+            <a:r>
+              <a:rPr lang="en-US" dirty="0" err="1">
+                <a:solidFill>
+                  <a:schemeClr val="bg1"/>
+                </a:solidFill>
+                <a:latin typeface="Courier New"/>
+              </a:rPr>
+              <a:t>cdk.fp</a:t>
+            </a:r>
+            <a:r>
+              <a:rPr lang="en-US" dirty="0">
+                <a:solidFill>
+                  <a:schemeClr val="bg1"/>
+                </a:solidFill>
+                <a:latin typeface="Courier New"/>
+              </a:rPr>
+              <a:t>', size=1024, lf=</a:t>
+            </a:r>
+            <a:r>
+              <a:rPr lang="en-US" dirty="0" err="1">
+                <a:solidFill>
+                  <a:schemeClr val="bg1"/>
+                </a:solidFill>
+                <a:latin typeface="Courier New"/>
+              </a:rPr>
+              <a:t>cdk.lf</a:t>
+            </a:r>
+            <a:r>
+              <a:rPr lang="en-US" dirty="0">
+                <a:solidFill>
+                  <a:schemeClr val="bg1"/>
+                </a:solidFill>
+                <a:latin typeface="Courier New"/>
+              </a:rPr>
+              <a:t>)</a:t>
+            </a:r>
+          </a:p>
+        </p:txBody>
+      </p:sp>
+    </p:spTree>
+    <p:extLst>
+      <p:ext uri="{BB962C8B-B14F-4D97-AF65-F5344CB8AC3E}">
+        <p14:creationId xmlns:p14="http://schemas.microsoft.com/office/powerpoint/2010/main" val="386648104"/>
+      </p:ext>
+    </p:extLst>
+  </p:cSld>
+  <p:clrMapOvr>
+    <a:masterClrMapping/>
+  </p:clrMapOvr>
+</p:sld>
+</file>
+
+<file path=ppt/slides/slide8.xml><?xml version="1.0" encoding="utf-8"?>
+<p:sld xmlns:a="http://schemas.openxmlformats.org/drawingml/2006/main" xmlns:r="http://schemas.openxmlformats.org/officeDocument/2006/relationships" xmlns:p="http://schemas.openxmlformats.org/presentationml/2006/main">
+  <p:cSld>
+    <p:spTree>
+      <p:nvGrpSpPr>
+        <p:cNvPr id="1" name=""/>
+        <p:cNvGrpSpPr/>
+        <p:nvPr/>
+      </p:nvGrpSpPr>
+      <p:grpSpPr>
+        <a:xfrm>
+          <a:off x="0" y="0"/>
+          <a:ext cx="0" cy="0"/>
+          <a:chOff x="0" y="0"/>
+          <a:chExt cx="0" cy="0"/>
+        </a:xfrm>
+      </p:grpSpPr>
+      <p:sp>
+        <p:nvSpPr>
+          <p:cNvPr id="2" name="Title 1"/>
+          <p:cNvSpPr>
+            <a:spLocks noGrp="1"/>
+          </p:cNvSpPr>
+          <p:nvPr>
+            <p:ph type="title"/>
+          </p:nvPr>
+        </p:nvSpPr>
+        <p:spPr/>
+        <p:txBody>
+          <a:bodyPr/>
+          <a:lstStyle/>
+          <a:p>
+            <a:r>
+              <a:rPr lang="en-US" dirty="0" smtClean="0"/>
+              <a:t>Getting Fingerprints</a:t>
+            </a:r>
+            <a:endParaRPr lang="en-US" dirty="0"/>
+          </a:p>
+        </p:txBody>
+      </p:sp>
+      <p:sp>
+        <p:nvSpPr>
+          <p:cNvPr id="3" name="Content Placeholder 2"/>
+          <p:cNvSpPr>
+            <a:spLocks noGrp="1"/>
+          </p:cNvSpPr>
+          <p:nvPr>
+            <p:ph idx="1"/>
+          </p:nvPr>
+        </p:nvSpPr>
+        <p:spPr/>
+        <p:txBody>
+          <a:bodyPr/>
+          <a:lstStyle/>
+          <a:p>
+            <a:r>
+              <a:rPr lang="en-US" dirty="0" smtClean="0"/>
+              <a:t>You can also generate fingerprints from chemical structures using the </a:t>
+            </a:r>
+            <a:r>
+              <a:rPr lang="en-US" dirty="0" smtClean="0">
+                <a:hlinkClick r:id="rId2"/>
+              </a:rPr>
+              <a:t>rcdk</a:t>
+            </a:r>
+            <a:r>
+              <a:rPr lang="en-US" dirty="0" smtClean="0"/>
+              <a:t> package</a:t>
+            </a:r>
+          </a:p>
+          <a:p>
+            <a:r>
+              <a:rPr lang="en-US" dirty="0" smtClean="0"/>
+              <a:t>If you’re not doing cheminformatics you can read in your own FP data by implementing a line reader</a:t>
+            </a:r>
+            <a:endParaRPr lang="en-US" dirty="0" smtClean="0">
+              <a:latin typeface="Courier"/>
+            </a:endParaRPr>
+          </a:p>
+          <a:p>
+            <a:pPr lvl="1"/>
+            <a:r>
+              <a:rPr lang="en-US" dirty="0" smtClean="0"/>
+              <a:t>See </a:t>
+            </a:r>
+            <a:r>
+              <a:rPr lang="en-US" dirty="0" err="1" smtClean="0">
+                <a:latin typeface="Courier"/>
+              </a:rPr>
+              <a:t>cdk.lf</a:t>
+            </a:r>
+            <a:r>
+              <a:rPr lang="en-US" dirty="0" smtClean="0">
+                <a:latin typeface="Courier"/>
+              </a:rPr>
+              <a:t>, </a:t>
+            </a:r>
+            <a:r>
+              <a:rPr lang="en-US" dirty="0" err="1" smtClean="0">
+                <a:latin typeface="Courier"/>
+              </a:rPr>
+              <a:t>moe.lf</a:t>
+            </a:r>
+            <a:r>
+              <a:rPr lang="en-US" dirty="0" smtClean="0">
+                <a:latin typeface="Courier"/>
+              </a:rPr>
+              <a:t>, </a:t>
+            </a:r>
+            <a:r>
+              <a:rPr lang="en-US" dirty="0" err="1" smtClean="0">
+                <a:latin typeface="Courier"/>
+              </a:rPr>
+              <a:t>bci.lf</a:t>
+            </a:r>
+            <a:endParaRPr lang="en-US" dirty="0">
+              <a:latin typeface="Courier"/>
+            </a:endParaRPr>
+          </a:p>
+          <a:p>
+            <a:endParaRPr lang="en-US" dirty="0">
+              <a:latin typeface="Courier"/>
+            </a:endParaRPr>
+          </a:p>
+        </p:txBody>
+      </p:sp>
+    </p:spTree>
+    <p:extLst>
+      <p:ext uri="{BB962C8B-B14F-4D97-AF65-F5344CB8AC3E}">
+        <p14:creationId xmlns:p14="http://schemas.microsoft.com/office/powerpoint/2010/main" val="547152150"/>
+      </p:ext>
+    </p:extLst>
+  </p:cSld>
+  <p:clrMapOvr>
+    <a:masterClrMapping/>
+  </p:clrMapOvr>
+</p:sld>
+</file>
+
 <file path=ppt/slides/slide9.xml><?xml version="1.0" encoding="utf-8"?>
 <p:sld xmlns:a="http://schemas.openxmlformats.org/drawingml/2006/main" xmlns:r="http://schemas.openxmlformats.org/officeDocument/2006/relationships" xmlns:p="http://schemas.openxmlformats.org/presentationml/2006/main">
   <p:cSld>
@@ -4458,7 +7652,7 @@
           <a:p>
             <a:r>
               <a:rPr lang="en-US" dirty="0" smtClean="0"/>
-              <a:t>Bit Spectrum</a:t>
+              <a:t>Random Fingerprints</a:t>
             </a:r>
             <a:endParaRPr lang="en-US" dirty="0"/>
           </a:p>
@@ -4481,53 +7675,21 @@
           <a:p>
             <a:r>
               <a:rPr lang="en-US" dirty="0" smtClean="0"/>
-              <a:t>Now comparison of two datasets is a O(1) operation – independent dataset size</a:t>
-            </a:r>
-          </a:p>
-          <a:p>
-            <a:pPr lvl="1"/>
-            <a:r>
-              <a:rPr lang="en-US" dirty="0" smtClean="0"/>
-              <a:t>Simply take the difference of two bit spectra</a:t>
-            </a:r>
-            <a:endParaRPr lang="en-US" dirty="0"/>
-          </a:p>
-        </p:txBody>
-      </p:sp>
-      <p:pic>
-        <p:nvPicPr>
-          <p:cNvPr id="4" name="Picture 3"/>
-          <p:cNvPicPr>
-            <a:picLocks noChangeAspect="1"/>
-          </p:cNvPicPr>
+              <a:t>Useful for benchmarking, generating null distributions, exploring effects of bit density</a:t>
+            </a:r>
+          </a:p>
+        </p:txBody>
+      </p:sp>
+      <p:sp>
+        <p:nvSpPr>
+          <p:cNvPr id="4" name="Rectangle 3"/>
+          <p:cNvSpPr/>
           <p:nvPr/>
-        </p:nvPicPr>
-        <p:blipFill>
-          <a:blip r:embed="rId2"/>
-          <a:stretch>
-            <a:fillRect/>
-          </a:stretch>
-        </p:blipFill>
+        </p:nvSpPr>
         <p:spPr>
           <a:xfrm>
-            <a:off x="36074" y="3668633"/>
-            <a:ext cx="4468544" cy="2708855"/>
-          </a:xfrm>
-          <a:prstGeom prst="rect">
-            <a:avLst/>
-          </a:prstGeom>
-        </p:spPr>
-      </p:pic>
-      <p:sp>
-        <p:nvSpPr>
-          <p:cNvPr id="7" name="Rectangle 6"/>
-          <p:cNvSpPr/>
-          <p:nvPr/>
-        </p:nvSpPr>
-        <p:spPr>
-          <a:xfrm>
-            <a:off x="4504618" y="3429000"/>
-            <a:ext cx="4480642" cy="2862322"/>
+            <a:off x="457200" y="3079176"/>
+            <a:ext cx="8344117" cy="3046987"/>
           </a:xfrm>
           <a:prstGeom prst="rect">
             <a:avLst/>
@@ -4549,7 +7711,7 @@
                 </a:solidFill>
                 <a:latin typeface="Courier New"/>
               </a:rPr>
-              <a:t>## make two subsets and generate bit </a:t>
+              <a:t>## </a:t>
             </a:r>
             <a:r>
               <a:rPr lang="en-US" sz="1200" dirty="0" smtClean="0">
@@ -4558,7 +7720,25 @@
                 </a:solidFill>
                 <a:latin typeface="Courier New"/>
               </a:rPr>
-              <a:t>spectra</a:t>
+              <a:t>How long does a similarity matrix calculation take as a function of </a:t>
+            </a:r>
+            <a:r>
+              <a:rPr lang="en-US" sz="1200" dirty="0" err="1" smtClean="0">
+                <a:solidFill>
+                  <a:srgbClr val="FF0000"/>
+                </a:solidFill>
+                <a:latin typeface="Courier New"/>
+              </a:rPr>
+              <a:t>fp</a:t>
+            </a:r>
+            <a:r>
+              <a:rPr lang="en-US" sz="1200" dirty="0" smtClean="0">
+                <a:solidFill>
+                  <a:srgbClr val="FF0000"/>
+                </a:solidFill>
+                <a:latin typeface="Courier New"/>
+              </a:rPr>
+              <a:t> length?</a:t>
             </a:r>
             <a:endParaRPr lang="en-US" sz="1200" dirty="0">
               <a:solidFill>
@@ -4569,13 +7749,22 @@
           </a:p>
           <a:p>
             <a:r>
+              <a:rPr lang="en-US" sz="1200" dirty="0" err="1">
+                <a:solidFill>
+                  <a:schemeClr val="bg1"/>
+                </a:solidFill>
+                <a:latin typeface="Courier New"/>
+              </a:rPr>
+              <a:t>nfp</a:t>
+            </a:r>
+            <a:r>
               <a:rPr lang="en-US" sz="1200" dirty="0">
                 <a:solidFill>
                   <a:schemeClr val="bg1"/>
                 </a:solidFill>
                 <a:latin typeface="Courier New"/>
               </a:rPr>
-              <a:t>fps1 &lt;- fps[ 1:(length(fps)*0.3) ]</a:t>
+              <a:t> &lt;- 300</a:t>
             </a:r>
           </a:p>
           <a:p>
@@ -4586,7 +7775,159 @@
                 </a:solidFill>
                 <a:latin typeface="Courier New"/>
               </a:rPr>
-              <a:t>fps2 &lt;- fps[ (length(fps)*0.3 + </a:t>
+              <a:t>sizes &lt;- c(64, 128, 512, 1024, 4096, 8192)</a:t>
+            </a:r>
+          </a:p>
+          <a:p>
+            <a:r>
+              <a:rPr lang="en-US" sz="1200" dirty="0">
+                <a:solidFill>
+                  <a:schemeClr val="bg1"/>
+                </a:solidFill>
+                <a:latin typeface="Courier New"/>
+              </a:rPr>
+              <a:t>times &lt;- </a:t>
+            </a:r>
+            <a:r>
+              <a:rPr lang="en-US" sz="1200" dirty="0" err="1">
+                <a:solidFill>
+                  <a:schemeClr val="bg1"/>
+                </a:solidFill>
+                <a:latin typeface="Courier New"/>
+              </a:rPr>
+              <a:t>sapply</a:t>
+            </a:r>
+            <a:r>
+              <a:rPr lang="en-US" sz="1200" dirty="0">
+                <a:solidFill>
+                  <a:schemeClr val="bg1"/>
+                </a:solidFill>
+                <a:latin typeface="Courier New"/>
+              </a:rPr>
+              <a:t>(sizes, function(size) {</a:t>
+            </a:r>
+          </a:p>
+          <a:p>
+            <a:r>
+              <a:rPr lang="en-US" sz="1200" dirty="0">
+                <a:solidFill>
+                  <a:schemeClr val="bg1"/>
+                </a:solidFill>
+                <a:latin typeface="Courier New"/>
+              </a:rPr>
+              <a:t>  fps &lt;- </a:t>
+            </a:r>
+            <a:r>
+              <a:rPr lang="en-US" sz="1200" dirty="0" err="1">
+                <a:solidFill>
+                  <a:schemeClr val="bg1"/>
+                </a:solidFill>
+                <a:latin typeface="Courier New"/>
+              </a:rPr>
+              <a:t>lapply</a:t>
+            </a:r>
+            <a:r>
+              <a:rPr lang="en-US" sz="1200" dirty="0">
+                <a:solidFill>
+                  <a:schemeClr val="bg1"/>
+                </a:solidFill>
+                <a:latin typeface="Courier New"/>
+              </a:rPr>
+              <a:t>(1:nfp, function(</a:t>
+            </a:r>
+            <a:r>
+              <a:rPr lang="en-US" sz="1200" dirty="0" err="1">
+                <a:solidFill>
+                  <a:schemeClr val="bg1"/>
+                </a:solidFill>
+                <a:latin typeface="Courier New"/>
+              </a:rPr>
+              <a:t>i</a:t>
+            </a:r>
+            <a:r>
+              <a:rPr lang="en-US" sz="1200" dirty="0">
+                <a:solidFill>
+                  <a:schemeClr val="bg1"/>
+                </a:solidFill>
+                <a:latin typeface="Courier New"/>
+              </a:rPr>
+              <a:t>) </a:t>
+            </a:r>
+            <a:r>
+              <a:rPr lang="en-US" sz="1200" dirty="0" err="1">
+                <a:solidFill>
+                  <a:schemeClr val="bg1"/>
+                </a:solidFill>
+                <a:latin typeface="Courier New"/>
+              </a:rPr>
+              <a:t>random.fingerprint</a:t>
+            </a:r>
+            <a:r>
+              <a:rPr lang="en-US" sz="1200" dirty="0">
+                <a:solidFill>
+                  <a:schemeClr val="bg1"/>
+                </a:solidFill>
+                <a:latin typeface="Courier New"/>
+              </a:rPr>
+              <a:t>(size, size * 0.35))</a:t>
+            </a:r>
+          </a:p>
+          <a:p>
+            <a:r>
+              <a:rPr lang="en-US" sz="1200" dirty="0">
+                <a:solidFill>
+                  <a:schemeClr val="bg1"/>
+                </a:solidFill>
+                <a:latin typeface="Courier New"/>
+              </a:rPr>
+              <a:t>  </a:t>
+            </a:r>
+            <a:r>
+              <a:rPr lang="en-US" sz="1200" dirty="0" err="1">
+                <a:solidFill>
+                  <a:schemeClr val="bg1"/>
+                </a:solidFill>
+                <a:latin typeface="Courier New"/>
+              </a:rPr>
+              <a:t>system.time</a:t>
+            </a:r>
+            <a:r>
+              <a:rPr lang="en-US" sz="1200" dirty="0">
+                <a:solidFill>
+                  <a:schemeClr val="bg1"/>
+                </a:solidFill>
+                <a:latin typeface="Courier New"/>
+              </a:rPr>
+              <a:t>(junk &lt;- </a:t>
+            </a:r>
+            <a:r>
+              <a:rPr lang="en-US" sz="1200" dirty="0" err="1">
+                <a:solidFill>
+                  <a:schemeClr val="bg1"/>
+                </a:solidFill>
+                <a:latin typeface="Courier New"/>
+              </a:rPr>
+              <a:t>fp.sim.matrix</a:t>
+            </a:r>
+            <a:r>
+              <a:rPr lang="en-US" sz="1200" dirty="0">
+                <a:solidFill>
+                  <a:schemeClr val="bg1"/>
+                </a:solidFill>
+                <a:latin typeface="Courier New"/>
+              </a:rPr>
+              <a:t>(fps))[3]</a:t>
+            </a:r>
+          </a:p>
+          <a:p>
+            <a:r>
+              <a:rPr lang="en-US" sz="1200" dirty="0">
+                <a:solidFill>
+                  <a:schemeClr val="bg1"/>
+                </a:solidFill>
+                <a:latin typeface="Courier New"/>
+              </a:rPr>
+              <a:t>}</a:t>
             </a:r>
             <a:r>
               <a:rPr lang="en-US" sz="1200" dirty="0" smtClean="0">
@@ -4595,39 +7936,36 @@
                 </a:solidFill>
                 <a:latin typeface="Courier New"/>
               </a:rPr>
-              <a:t>   </a:t>
-            </a:r>
+              <a:t>)</a:t>
+            </a:r>
+          </a:p>
+          <a:p>
+            <a:endParaRPr lang="en-US" sz="1200" dirty="0" smtClean="0">
+              <a:solidFill>
+                <a:schemeClr val="bg1"/>
+              </a:solidFill>
+              <a:latin typeface="Courier New"/>
+            </a:endParaRPr>
           </a:p>
           <a:p>
             <a:r>
               <a:rPr lang="en-US" sz="1200" dirty="0">
                 <a:solidFill>
-                  <a:schemeClr val="bg1"/>
-                </a:solidFill>
-                <a:latin typeface="Courier New"/>
-              </a:rPr>
-              <a:t> </a:t>
+                  <a:srgbClr val="FF0000"/>
+                </a:solidFill>
+                <a:latin typeface="Courier New"/>
+              </a:rPr>
+              <a:t>## </a:t>
             </a:r>
             <a:r>
               <a:rPr lang="en-US" sz="1200" dirty="0" smtClean="0">
                 <a:solidFill>
-                  <a:schemeClr val="bg1"/>
-                </a:solidFill>
-                <a:latin typeface="Courier New"/>
-              </a:rPr>
-              <a:t>             1</a:t>
-            </a:r>
-            <a:r>
-              <a:rPr lang="en-US" sz="1200" dirty="0">
-                <a:solidFill>
-                  <a:schemeClr val="bg1"/>
-                </a:solidFill>
-                <a:latin typeface="Courier New"/>
-              </a:rPr>
-              <a:t>):length(fps) ]</a:t>
-            </a:r>
-          </a:p>
-          <a:p>
+                  <a:srgbClr val="FF0000"/>
+                </a:solidFill>
+                <a:latin typeface="Courier New"/>
+              </a:rPr>
+              <a:t>For a given length, how does bit density affect calculation time?</a:t>
+            </a:r>
             <a:endParaRPr lang="en-US" sz="1200" dirty="0">
               <a:solidFill>
                 <a:schemeClr val="bg1"/>
@@ -4643,7 +7981,18 @@
                 </a:solidFill>
                 <a:latin typeface="Courier New"/>
               </a:rPr>
-              <a:t>bs1 &lt;- </a:t>
+              <a:t>densities &lt;- c(0.1, 0.25, 0.5, 0.75, 0.95)</a:t>
+            </a:r>
+          </a:p>
+          <a:p>
+            <a:r>
+              <a:rPr lang="en-US" sz="1200" dirty="0">
+                <a:solidFill>
+                  <a:schemeClr val="bg1"/>
+                </a:solidFill>
+                <a:latin typeface="Courier New"/>
+              </a:rPr>
+              <a:t>times &lt;- </a:t>
             </a:r>
             <a:r>
               <a:rPr lang="en-US" sz="1200" dirty="0" err="1">
@@ -4652,7 +8001,7 @@
                 </a:solidFill>
                 <a:latin typeface="Courier New"/>
               </a:rPr>
-              <a:t>bit.spectrum</a:t>
+              <a:t>sapply</a:t>
             </a:r>
             <a:r>
               <a:rPr lang="en-US" sz="1200" dirty="0">
@@ -4661,7 +8010,7 @@
                 </a:solidFill>
                 <a:latin typeface="Courier New"/>
               </a:rPr>
-              <a:t>(fps1)</a:t>
+              <a:t>(densities, function(density) {</a:t>
             </a:r>
           </a:p>
           <a:p>
@@ -4672,7 +8021,7 @@
                 </a:solidFill>
                 <a:latin typeface="Courier New"/>
               </a:rPr>
-              <a:t>bs2 &lt;- </a:t>
+              <a:t>  fps &lt;- </a:t>
             </a:r>
             <a:r>
               <a:rPr lang="en-US" sz="1200" dirty="0" err="1">
@@ -4681,7 +8030,7 @@
                 </a:solidFill>
                 <a:latin typeface="Courier New"/>
               </a:rPr>
-              <a:t>bit.spectrum</a:t>
+              <a:t>lapply</a:t>
             </a:r>
             <a:r>
               <a:rPr lang="en-US" sz="1200" dirty="0">
@@ -4690,8 +8039,108 @@
                 </a:solidFill>
                 <a:latin typeface="Courier New"/>
               </a:rPr>
-              <a:t>(fps2)</a:t>
-            </a:r>
+              <a:t>(1:nfp, function(</a:t>
+            </a:r>
+            <a:r>
+              <a:rPr lang="en-US" sz="1200" dirty="0" err="1">
+                <a:solidFill>
+                  <a:schemeClr val="bg1"/>
+                </a:solidFill>
+                <a:latin typeface="Courier New"/>
+              </a:rPr>
+              <a:t>i</a:t>
+            </a:r>
+            <a:r>
+              <a:rPr lang="en-US" sz="1200" dirty="0">
+                <a:solidFill>
+                  <a:schemeClr val="bg1"/>
+                </a:solidFill>
+                <a:latin typeface="Courier New"/>
+              </a:rPr>
+              <a:t>) </a:t>
+            </a:r>
+            <a:r>
+              <a:rPr lang="en-US" sz="1200" dirty="0" err="1">
+                <a:solidFill>
+                  <a:schemeClr val="bg1"/>
+                </a:solidFill>
+                <a:latin typeface="Courier New"/>
+              </a:rPr>
+              <a:t>random.fingerprint</a:t>
+            </a:r>
+            <a:r>
+              <a:rPr lang="en-US" sz="1200" dirty="0">
+                <a:solidFill>
+                  <a:schemeClr val="bg1"/>
+                </a:solidFill>
+                <a:latin typeface="Courier New"/>
+              </a:rPr>
+              <a:t>(1024, 1024 * density))</a:t>
+            </a:r>
+          </a:p>
+          <a:p>
+            <a:r>
+              <a:rPr lang="en-US" sz="1200" dirty="0">
+                <a:solidFill>
+                  <a:schemeClr val="bg1"/>
+                </a:solidFill>
+                <a:latin typeface="Courier New"/>
+              </a:rPr>
+              <a:t>  </a:t>
+            </a:r>
+            <a:r>
+              <a:rPr lang="en-US" sz="1200" dirty="0" err="1">
+                <a:solidFill>
+                  <a:schemeClr val="bg1"/>
+                </a:solidFill>
+                <a:latin typeface="Courier New"/>
+              </a:rPr>
+              <a:t>system.time</a:t>
+            </a:r>
+            <a:r>
+              <a:rPr lang="en-US" sz="1200" dirty="0">
+                <a:solidFill>
+                  <a:schemeClr val="bg1"/>
+                </a:solidFill>
+                <a:latin typeface="Courier New"/>
+              </a:rPr>
+              <a:t>(junk &lt;- </a:t>
+            </a:r>
+            <a:r>
+              <a:rPr lang="en-US" sz="1200" dirty="0" err="1">
+                <a:solidFill>
+                  <a:schemeClr val="bg1"/>
+                </a:solidFill>
+                <a:latin typeface="Courier New"/>
+              </a:rPr>
+              <a:t>fp.sim.matrix</a:t>
+            </a:r>
+            <a:r>
+              <a:rPr lang="en-US" sz="1200" dirty="0">
+                <a:solidFill>
+                  <a:schemeClr val="bg1"/>
+                </a:solidFill>
+                <a:latin typeface="Courier New"/>
+              </a:rPr>
+              <a:t>(fps))[3]</a:t>
+            </a:r>
+          </a:p>
+          <a:p>
+            <a:r>
+              <a:rPr lang="en-US" sz="1200" dirty="0">
+                <a:solidFill>
+                  <a:schemeClr val="bg1"/>
+                </a:solidFill>
+                <a:latin typeface="Courier New"/>
+              </a:rPr>
+              <a:t>})</a:t>
+            </a:r>
+            <a:endParaRPr lang="en-US" sz="1200" dirty="0" smtClean="0">
+              <a:solidFill>
+                <a:schemeClr val="bg1"/>
+              </a:solidFill>
+              <a:latin typeface="Courier New"/>
+            </a:endParaRPr>
           </a:p>
           <a:p>
             <a:endParaRPr lang="en-US" sz="1200" dirty="0">
@@ -4702,314 +8151,25 @@
             </a:endParaRPr>
           </a:p>
           <a:p>
-            <a:r>
-              <a:rPr lang="en-US" sz="1200" dirty="0">
-                <a:solidFill>
-                  <a:srgbClr val="FF0000"/>
-                </a:solidFill>
-                <a:latin typeface="Courier New"/>
-              </a:rPr>
-              <a:t>## display a difference plot </a:t>
-            </a:r>
-            <a:endParaRPr lang="en-US" sz="1200" dirty="0" smtClean="0">
+            <a:endParaRPr lang="en-US" sz="1200" dirty="0">
               <a:solidFill>
-                <a:srgbClr val="FF0000"/>
+                <a:schemeClr val="bg1"/>
               </a:solidFill>
               <a:latin typeface="Courier New"/>
             </a:endParaRPr>
           </a:p>
-          <a:p>
-            <a:r>
-              <a:rPr lang="en-US" sz="1200" dirty="0" err="1" smtClean="0">
-                <a:solidFill>
-                  <a:schemeClr val="bg1"/>
-                </a:solidFill>
-                <a:latin typeface="Courier New"/>
-              </a:rPr>
-              <a:t>bsdiff</a:t>
-            </a:r>
-            <a:r>
-              <a:rPr lang="en-US" sz="1200" dirty="0" smtClean="0">
-                <a:solidFill>
-                  <a:schemeClr val="bg1"/>
-                </a:solidFill>
-                <a:latin typeface="Courier New"/>
-              </a:rPr>
-              <a:t> </a:t>
-            </a:r>
-            <a:r>
-              <a:rPr lang="en-US" sz="1200" dirty="0">
-                <a:solidFill>
-                  <a:schemeClr val="bg1"/>
-                </a:solidFill>
-                <a:latin typeface="Courier New"/>
-              </a:rPr>
-              <a:t>&lt;- bs1-bs2</a:t>
-            </a:r>
-          </a:p>
-          <a:p>
-            <a:r>
-              <a:rPr lang="en-US" sz="1200" dirty="0">
-                <a:solidFill>
-                  <a:schemeClr val="bg1"/>
-                </a:solidFill>
-                <a:latin typeface="Courier New"/>
-              </a:rPr>
-              <a:t>d &lt;- </a:t>
-            </a:r>
-            <a:r>
-              <a:rPr lang="en-US" sz="1200" dirty="0" err="1">
-                <a:solidFill>
-                  <a:schemeClr val="bg1"/>
-                </a:solidFill>
-                <a:latin typeface="Courier New"/>
-              </a:rPr>
-              <a:t>data.frame</a:t>
-            </a:r>
-            <a:r>
-              <a:rPr lang="en-US" sz="1200" dirty="0">
-                <a:solidFill>
-                  <a:schemeClr val="bg1"/>
-                </a:solidFill>
-                <a:latin typeface="Courier New"/>
-              </a:rPr>
-              <a:t>(x=1:length(</a:t>
-            </a:r>
-            <a:r>
-              <a:rPr lang="en-US" sz="1200" dirty="0" err="1">
-                <a:solidFill>
-                  <a:schemeClr val="bg1"/>
-                </a:solidFill>
-                <a:latin typeface="Courier New"/>
-              </a:rPr>
-              <a:t>bs</a:t>
-            </a:r>
-            <a:r>
-              <a:rPr lang="en-US" sz="1200" dirty="0">
-                <a:solidFill>
-                  <a:schemeClr val="bg1"/>
-                </a:solidFill>
-                <a:latin typeface="Courier New"/>
-              </a:rPr>
-              <a:t>), y=</a:t>
-            </a:r>
-            <a:r>
-              <a:rPr lang="en-US" sz="1200" dirty="0" err="1">
-                <a:solidFill>
-                  <a:schemeClr val="bg1"/>
-                </a:solidFill>
-                <a:latin typeface="Courier New"/>
-              </a:rPr>
-              <a:t>bsdiff</a:t>
-            </a:r>
-            <a:r>
-              <a:rPr lang="en-US" sz="1200" dirty="0">
-                <a:solidFill>
-                  <a:schemeClr val="bg1"/>
-                </a:solidFill>
-                <a:latin typeface="Courier New"/>
-              </a:rPr>
-              <a:t>)</a:t>
-            </a:r>
-          </a:p>
-          <a:p>
-            <a:r>
-              <a:rPr lang="en-US" sz="1200" dirty="0" err="1">
-                <a:solidFill>
-                  <a:schemeClr val="bg1"/>
-                </a:solidFill>
-                <a:latin typeface="Courier New"/>
-              </a:rPr>
-              <a:t>ggplot</a:t>
-            </a:r>
-            <a:r>
-              <a:rPr lang="en-US" sz="1200" dirty="0">
-                <a:solidFill>
-                  <a:schemeClr val="bg1"/>
-                </a:solidFill>
-                <a:latin typeface="Courier New"/>
-              </a:rPr>
-              <a:t>(d, </a:t>
-            </a:r>
-            <a:r>
-              <a:rPr lang="en-US" sz="1200" dirty="0" err="1">
-                <a:solidFill>
-                  <a:schemeClr val="bg1"/>
-                </a:solidFill>
-                <a:latin typeface="Courier New"/>
-              </a:rPr>
-              <a:t>aes</a:t>
-            </a:r>
-            <a:r>
-              <a:rPr lang="en-US" sz="1200" dirty="0">
-                <a:solidFill>
-                  <a:schemeClr val="bg1"/>
-                </a:solidFill>
-                <a:latin typeface="Courier New"/>
-              </a:rPr>
-              <a:t>(x=</a:t>
-            </a:r>
-            <a:r>
-              <a:rPr lang="en-US" sz="1200" dirty="0" err="1">
-                <a:solidFill>
-                  <a:schemeClr val="bg1"/>
-                </a:solidFill>
-                <a:latin typeface="Courier New"/>
-              </a:rPr>
-              <a:t>x,y</a:t>
-            </a:r>
-            <a:r>
-              <a:rPr lang="en-US" sz="1200" dirty="0">
-                <a:solidFill>
-                  <a:schemeClr val="bg1"/>
-                </a:solidFill>
-                <a:latin typeface="Courier New"/>
-              </a:rPr>
-              <a:t>=y)</a:t>
-            </a:r>
-            <a:r>
-              <a:rPr lang="en-US" sz="1200" dirty="0" smtClean="0">
-                <a:solidFill>
-                  <a:schemeClr val="bg1"/>
-                </a:solidFill>
-                <a:latin typeface="Courier New"/>
-              </a:rPr>
-              <a:t>)+</a:t>
-            </a:r>
-          </a:p>
-          <a:p>
-            <a:r>
-              <a:rPr lang="en-US" sz="1200" dirty="0">
-                <a:solidFill>
-                  <a:schemeClr val="bg1"/>
-                </a:solidFill>
-                <a:latin typeface="Courier New"/>
-              </a:rPr>
-              <a:t> </a:t>
-            </a:r>
-            <a:r>
-              <a:rPr lang="en-US" sz="1200" dirty="0" smtClean="0">
-                <a:solidFill>
-                  <a:schemeClr val="bg1"/>
-                </a:solidFill>
-                <a:latin typeface="Courier New"/>
-              </a:rPr>
-              <a:t> </a:t>
-            </a:r>
-            <a:r>
-              <a:rPr lang="en-US" sz="1200" dirty="0" err="1" smtClean="0">
-                <a:solidFill>
-                  <a:schemeClr val="bg1"/>
-                </a:solidFill>
-                <a:latin typeface="Courier New"/>
-              </a:rPr>
-              <a:t>geom_bar</a:t>
-            </a:r>
-            <a:r>
-              <a:rPr lang="en-US" sz="1200" dirty="0">
-                <a:solidFill>
-                  <a:schemeClr val="bg1"/>
-                </a:solidFill>
-                <a:latin typeface="Courier New"/>
-              </a:rPr>
-              <a:t>(stat='identity')+</a:t>
-            </a:r>
-          </a:p>
-          <a:p>
-            <a:r>
-              <a:rPr lang="en-US" sz="1200" dirty="0">
-                <a:solidFill>
-                  <a:schemeClr val="bg1"/>
-                </a:solidFill>
-                <a:latin typeface="Courier New"/>
-              </a:rPr>
-              <a:t>  </a:t>
-            </a:r>
-            <a:r>
-              <a:rPr lang="en-US" sz="1200" dirty="0" err="1">
-                <a:solidFill>
-                  <a:schemeClr val="bg1"/>
-                </a:solidFill>
-                <a:latin typeface="Courier New"/>
-              </a:rPr>
-              <a:t>xlab</a:t>
-            </a:r>
-            <a:r>
-              <a:rPr lang="en-US" sz="1200" dirty="0">
-                <a:solidFill>
-                  <a:schemeClr val="bg1"/>
-                </a:solidFill>
-                <a:latin typeface="Courier New"/>
-              </a:rPr>
-              <a:t>('Bit Position')+</a:t>
-            </a:r>
-            <a:r>
-              <a:rPr lang="en-US" sz="1200" dirty="0" err="1">
-                <a:solidFill>
-                  <a:schemeClr val="bg1"/>
-                </a:solidFill>
-                <a:latin typeface="Courier New"/>
-              </a:rPr>
-              <a:t>ylab</a:t>
-            </a:r>
-            <a:r>
-              <a:rPr lang="en-US" sz="1200" dirty="0">
-                <a:solidFill>
-                  <a:schemeClr val="bg1"/>
-                </a:solidFill>
-                <a:latin typeface="Courier New"/>
-              </a:rPr>
-              <a:t>('Difference')+</a:t>
-            </a:r>
-          </a:p>
-          <a:p>
-            <a:r>
-              <a:rPr lang="en-US" sz="1200" dirty="0">
-                <a:solidFill>
-                  <a:schemeClr val="bg1"/>
-                </a:solidFill>
-                <a:latin typeface="Courier New"/>
-              </a:rPr>
-              <a:t>  </a:t>
-            </a:r>
-            <a:r>
-              <a:rPr lang="en-US" sz="1200" dirty="0" err="1">
-                <a:solidFill>
-                  <a:schemeClr val="bg1"/>
-                </a:solidFill>
-                <a:latin typeface="Courier New"/>
-              </a:rPr>
-              <a:t>ylim</a:t>
-            </a:r>
-            <a:r>
-              <a:rPr lang="en-US" sz="1200" dirty="0">
-                <a:solidFill>
-                  <a:schemeClr val="bg1"/>
-                </a:solidFill>
-                <a:latin typeface="Courier New"/>
-              </a:rPr>
-              <a:t>(c(-1,1))</a:t>
-            </a:r>
-          </a:p>
         </p:txBody>
       </p:sp>
     </p:spTree>
     <p:extLst>
       <p:ext uri="{BB962C8B-B14F-4D97-AF65-F5344CB8AC3E}">
-        <p14:creationId xmlns:p14="http://schemas.microsoft.com/office/powerpoint/2010/main" val="1690091757"/>
+        <p14:creationId xmlns:p14="http://schemas.microsoft.com/office/powerpoint/2010/main" val="1935056825"/>
       </p:ext>
     </p:extLst>
   </p:cSld>
   <p:clrMapOvr>
     <a:masterClrMapping/>
   </p:clrMapOvr>
-  <p:timing>
-    <p:tnLst>
-      <p:par>
-        <p:cTn xmlns:p14="http://schemas.microsoft.com/office/powerpoint/2010/main" id="1" dur="indefinite" restart="never" nodeType="tmRoot"/>
-      </p:par>
-    </p:tnLst>
-  </p:timing>
 </p:sld>
 </file>
 
